--- a/concept_eval/diagrams/systems_diagram.pptx
+++ b/concept_eval/diagrams/systems_diagram.pptx
@@ -5,8 +5,7 @@
     <p:sldMasterId id="2147483648" r:id="rId1"/>
   </p:sldMasterIdLst>
   <p:sldIdLst>
-    <p:sldId id="256" r:id="rId2"/>
-    <p:sldId id="257" r:id="rId3"/>
+    <p:sldId id="257" r:id="rId2"/>
   </p:sldIdLst>
   <p:sldSz cx="9144000" cy="6858000" type="screen4x3"/>
   <p:notesSz cx="6858000" cy="9144000"/>
@@ -105,6 +104,22 @@
       </a:defRPr>
     </a:lvl9pPr>
   </p:defaultTextStyle>
+  <p:extLst>
+    <p:ext uri="{EFAFB233-063F-42B5-8137-9DF3F51BA10A}">
+      <p15:sldGuideLst xmlns:p15="http://schemas.microsoft.com/office/powerpoint/2012/main">
+        <p15:guide id="1" orient="horz" pos="2160">
+          <p15:clr>
+            <a:srgbClr val="A4A3A4"/>
+          </p15:clr>
+        </p15:guide>
+        <p15:guide id="2" pos="2880">
+          <p15:clr>
+            <a:srgbClr val="A4A3A4"/>
+          </p15:clr>
+        </p15:guide>
+      </p15:sldGuideLst>
+    </p:ext>
+  </p:extLst>
 </p:presentation>
 </file>
 
@@ -289,7 +304,7 @@
           <a:p>
             <a:fld id="{E66B24CA-399B-4047-8224-01590B4E0706}" type="datetimeFigureOut">
               <a:rPr lang="en-US" smtClean="0"/>
-              <a:t>10/24/16</a:t>
+              <a:t>10/24/2016</a:t>
             </a:fld>
             <a:endParaRPr lang="en-US"/>
           </a:p>
@@ -459,7 +474,7 @@
           <a:p>
             <a:fld id="{E66B24CA-399B-4047-8224-01590B4E0706}" type="datetimeFigureOut">
               <a:rPr lang="en-US" smtClean="0"/>
-              <a:t>10/24/16</a:t>
+              <a:t>10/24/2016</a:t>
             </a:fld>
             <a:endParaRPr lang="en-US"/>
           </a:p>
@@ -639,7 +654,7 @@
           <a:p>
             <a:fld id="{E66B24CA-399B-4047-8224-01590B4E0706}" type="datetimeFigureOut">
               <a:rPr lang="en-US" smtClean="0"/>
-              <a:t>10/24/16</a:t>
+              <a:t>10/24/2016</a:t>
             </a:fld>
             <a:endParaRPr lang="en-US"/>
           </a:p>
@@ -809,7 +824,7 @@
           <a:p>
             <a:fld id="{E66B24CA-399B-4047-8224-01590B4E0706}" type="datetimeFigureOut">
               <a:rPr lang="en-US" smtClean="0"/>
-              <a:t>10/24/16</a:t>
+              <a:t>10/24/2016</a:t>
             </a:fld>
             <a:endParaRPr lang="en-US"/>
           </a:p>
@@ -1055,7 +1070,7 @@
           <a:p>
             <a:fld id="{E66B24CA-399B-4047-8224-01590B4E0706}" type="datetimeFigureOut">
               <a:rPr lang="en-US" smtClean="0"/>
-              <a:t>10/24/16</a:t>
+              <a:t>10/24/2016</a:t>
             </a:fld>
             <a:endParaRPr lang="en-US"/>
           </a:p>
@@ -1343,7 +1358,7 @@
           <a:p>
             <a:fld id="{E66B24CA-399B-4047-8224-01590B4E0706}" type="datetimeFigureOut">
               <a:rPr lang="en-US" smtClean="0"/>
-              <a:t>10/24/16</a:t>
+              <a:t>10/24/2016</a:t>
             </a:fld>
             <a:endParaRPr lang="en-US"/>
           </a:p>
@@ -1765,7 +1780,7 @@
           <a:p>
             <a:fld id="{E66B24CA-399B-4047-8224-01590B4E0706}" type="datetimeFigureOut">
               <a:rPr lang="en-US" smtClean="0"/>
-              <a:t>10/24/16</a:t>
+              <a:t>10/24/2016</a:t>
             </a:fld>
             <a:endParaRPr lang="en-US"/>
           </a:p>
@@ -1883,7 +1898,7 @@
           <a:p>
             <a:fld id="{E66B24CA-399B-4047-8224-01590B4E0706}" type="datetimeFigureOut">
               <a:rPr lang="en-US" smtClean="0"/>
-              <a:t>10/24/16</a:t>
+              <a:t>10/24/2016</a:t>
             </a:fld>
             <a:endParaRPr lang="en-US"/>
           </a:p>
@@ -1978,7 +1993,7 @@
           <a:p>
             <a:fld id="{E66B24CA-399B-4047-8224-01590B4E0706}" type="datetimeFigureOut">
               <a:rPr lang="en-US" smtClean="0"/>
-              <a:t>10/24/16</a:t>
+              <a:t>10/24/2016</a:t>
             </a:fld>
             <a:endParaRPr lang="en-US"/>
           </a:p>
@@ -2255,7 +2270,7 @@
           <a:p>
             <a:fld id="{E66B24CA-399B-4047-8224-01590B4E0706}" type="datetimeFigureOut">
               <a:rPr lang="en-US" smtClean="0"/>
-              <a:t>10/24/16</a:t>
+              <a:t>10/24/2016</a:t>
             </a:fld>
             <a:endParaRPr lang="en-US"/>
           </a:p>
@@ -2508,7 +2523,7 @@
           <a:p>
             <a:fld id="{E66B24CA-399B-4047-8224-01590B4E0706}" type="datetimeFigureOut">
               <a:rPr lang="en-US" smtClean="0"/>
-              <a:t>10/24/16</a:t>
+              <a:t>10/24/2016</a:t>
             </a:fld>
             <a:endParaRPr lang="en-US"/>
           </a:p>
@@ -2721,7 +2736,7 @@
           <a:p>
             <a:fld id="{E66B24CA-399B-4047-8224-01590B4E0706}" type="datetimeFigureOut">
               <a:rPr lang="en-US" smtClean="0"/>
-              <a:t>10/24/16</a:t>
+              <a:t>10/24/2016</a:t>
             </a:fld>
             <a:endParaRPr lang="en-US"/>
           </a:p>
@@ -3096,16 +3111,53 @@
           <a:chExt cx="0" cy="0"/>
         </a:xfrm>
       </p:grpSpPr>
-      <p:sp>
-        <p:nvSpPr>
-          <p:cNvPr id="4" name="Rectangle 3"/>
+      <p:cxnSp>
+        <p:nvCxnSpPr>
+          <p:cNvPr id="19" name="Straight Connector 18"/>
+          <p:cNvCxnSpPr/>
+          <p:nvPr/>
+        </p:nvCxnSpPr>
+        <p:spPr>
+          <a:xfrm>
+            <a:off x="184355" y="2074198"/>
+            <a:ext cx="8517856" cy="0"/>
+          </a:xfrm>
+          <a:prstGeom prst="line">
+            <a:avLst/>
+          </a:prstGeom>
+          <a:ln>
+            <a:solidFill>
+              <a:schemeClr val="tx1"/>
+            </a:solidFill>
+            <a:prstDash val="dash"/>
+          </a:ln>
+          <a:effectLst/>
+        </p:spPr>
+        <p:style>
+          <a:lnRef idx="2">
+            <a:schemeClr val="accent1"/>
+          </a:lnRef>
+          <a:fillRef idx="0">
+            <a:schemeClr val="accent1"/>
+          </a:fillRef>
+          <a:effectRef idx="1">
+            <a:schemeClr val="accent1"/>
+          </a:effectRef>
+          <a:fontRef idx="minor">
+            <a:schemeClr val="tx1"/>
+          </a:fontRef>
+        </p:style>
+      </p:cxnSp>
+      <p:sp>
+        <p:nvSpPr>
+          <p:cNvPr id="5" name="Rectangle 4"/>
           <p:cNvSpPr/>
           <p:nvPr/>
         </p:nvSpPr>
         <p:spPr>
           <a:xfrm>
-            <a:off x="365760" y="1654810"/>
-            <a:ext cx="1097280" cy="957580"/>
+            <a:off x="4643120" y="558800"/>
+            <a:ext cx="1477461" cy="532581"/>
           </a:xfrm>
           <a:prstGeom prst="rect">
             <a:avLst/>
@@ -3138,220 +3190,31 @@
           <a:p>
             <a:pPr algn="ctr"/>
             <a:r>
-              <a:rPr lang="en-US" sz="1200" dirty="0">
+              <a:rPr lang="en-US" sz="1200" dirty="0" smtClean="0">
                 <a:solidFill>
                   <a:srgbClr val="000000"/>
                 </a:solidFill>
               </a:rPr>
-              <a:t>TEXT</a:t>
-            </a:r>
-          </a:p>
-        </p:txBody>
-      </p:sp>
-      <p:sp>
-        <p:nvSpPr>
-          <p:cNvPr id="5" name="Oval 4"/>
+              <a:t>Work Distributor + Planner</a:t>
+            </a:r>
+            <a:endParaRPr lang="en-US" sz="1200" dirty="0">
+              <a:solidFill>
+                <a:srgbClr val="000000"/>
+              </a:solidFill>
+            </a:endParaRPr>
+          </a:p>
+        </p:txBody>
+      </p:sp>
+      <p:sp>
+        <p:nvSpPr>
+          <p:cNvPr id="6" name="Rectangle 5"/>
           <p:cNvSpPr/>
           <p:nvPr/>
         </p:nvSpPr>
         <p:spPr>
           <a:xfrm>
-            <a:off x="492760" y="414020"/>
-            <a:ext cx="970280" cy="919480"/>
-          </a:xfrm>
-          <a:prstGeom prst="ellipse">
-            <a:avLst/>
-          </a:prstGeom>
-          <a:noFill/>
-          <a:ln>
-            <a:solidFill>
-              <a:schemeClr val="tx1"/>
-            </a:solidFill>
-          </a:ln>
-          <a:effectLst/>
-        </p:spPr>
-        <p:style>
-          <a:lnRef idx="1">
-            <a:schemeClr val="accent1"/>
-          </a:lnRef>
-          <a:fillRef idx="3">
-            <a:schemeClr val="accent1"/>
-          </a:fillRef>
-          <a:effectRef idx="2">
-            <a:schemeClr val="accent1"/>
-          </a:effectRef>
-          <a:fontRef idx="minor">
-            <a:schemeClr val="lt1"/>
-          </a:fontRef>
-        </p:style>
-        <p:txBody>
-          <a:bodyPr anchor="ctr" anchorCtr="0"/>
-          <a:lstStyle/>
-          <a:p>
-            <a:pPr algn="ctr"/>
-            <a:r>
-              <a:rPr lang="en-US" sz="1200" dirty="0">
-                <a:solidFill>
-                  <a:srgbClr val="000000"/>
-                </a:solidFill>
-              </a:rPr>
-              <a:t>TEXT</a:t>
-            </a:r>
-          </a:p>
-        </p:txBody>
-      </p:sp>
-      <p:cxnSp>
-        <p:nvCxnSpPr>
-          <p:cNvPr id="6" name="Straight Arrow Connector 5"/>
-          <p:cNvCxnSpPr/>
-          <p:nvPr/>
-        </p:nvCxnSpPr>
-        <p:spPr>
-          <a:xfrm>
-            <a:off x="2286000" y="701040"/>
-            <a:ext cx="736600" cy="0"/>
-          </a:xfrm>
-          <a:prstGeom prst="straightConnector1">
-            <a:avLst/>
-          </a:prstGeom>
-          <a:ln>
-            <a:solidFill>
-              <a:schemeClr val="tx1"/>
-            </a:solidFill>
-            <a:tailEnd type="arrow"/>
-          </a:ln>
-          <a:effectLst/>
-        </p:spPr>
-        <p:style>
-          <a:lnRef idx="2">
-            <a:schemeClr val="accent1"/>
-          </a:lnRef>
-          <a:fillRef idx="0">
-            <a:schemeClr val="accent1"/>
-          </a:fillRef>
-          <a:effectRef idx="1">
-            <a:schemeClr val="accent1"/>
-          </a:effectRef>
-          <a:fontRef idx="minor">
-            <a:schemeClr val="tx1"/>
-          </a:fontRef>
-        </p:style>
-      </p:cxnSp>
-      <p:cxnSp>
-        <p:nvCxnSpPr>
-          <p:cNvPr id="8" name="Straight Arrow Connector 7"/>
-          <p:cNvCxnSpPr/>
-          <p:nvPr/>
-        </p:nvCxnSpPr>
-        <p:spPr>
-          <a:xfrm>
-            <a:off x="2286000" y="1654810"/>
-            <a:ext cx="1358900" cy="0"/>
-          </a:xfrm>
-          <a:prstGeom prst="straightConnector1">
-            <a:avLst/>
-          </a:prstGeom>
-          <a:ln>
-            <a:solidFill>
-              <a:schemeClr val="tx1"/>
-            </a:solidFill>
-            <a:headEnd type="arrow"/>
-            <a:tailEnd type="arrow"/>
-          </a:ln>
-          <a:effectLst/>
-        </p:spPr>
-        <p:style>
-          <a:lnRef idx="2">
-            <a:schemeClr val="accent1"/>
-          </a:lnRef>
-          <a:fillRef idx="0">
-            <a:schemeClr val="accent1"/>
-          </a:fillRef>
-          <a:effectRef idx="1">
-            <a:schemeClr val="accent1"/>
-          </a:effectRef>
-          <a:fontRef idx="minor">
-            <a:schemeClr val="tx1"/>
-          </a:fontRef>
-        </p:style>
-      </p:cxnSp>
-      <p:cxnSp>
-        <p:nvCxnSpPr>
-          <p:cNvPr id="10" name="Straight Connector 9"/>
-          <p:cNvCxnSpPr/>
-          <p:nvPr/>
-        </p:nvCxnSpPr>
-        <p:spPr>
-          <a:xfrm>
-            <a:off x="4394200" y="701040"/>
-            <a:ext cx="1346200" cy="0"/>
-          </a:xfrm>
-          <a:prstGeom prst="line">
-            <a:avLst/>
-          </a:prstGeom>
-          <a:ln>
-            <a:solidFill>
-              <a:schemeClr val="tx1"/>
-            </a:solidFill>
-            <a:prstDash val="dash"/>
-          </a:ln>
-          <a:effectLst/>
-        </p:spPr>
-        <p:style>
-          <a:lnRef idx="2">
-            <a:schemeClr val="accent1"/>
-          </a:lnRef>
-          <a:fillRef idx="0">
-            <a:schemeClr val="accent1"/>
-          </a:fillRef>
-          <a:effectRef idx="1">
-            <a:schemeClr val="accent1"/>
-          </a:effectRef>
-          <a:fontRef idx="minor">
-            <a:schemeClr val="tx1"/>
-          </a:fontRef>
-        </p:style>
-      </p:cxnSp>
-    </p:spTree>
-    <p:extLst>
-      <p:ext uri="{BB962C8B-B14F-4D97-AF65-F5344CB8AC3E}">
-        <p14:creationId xmlns:p14="http://schemas.microsoft.com/office/powerpoint/2010/main" val="3780013351"/>
-      </p:ext>
-    </p:extLst>
-  </p:cSld>
-  <p:clrMapOvr>
-    <a:masterClrMapping/>
-  </p:clrMapOvr>
-</p:sld>
-</file>
-
-<file path=ppt/slides/slide2.xml><?xml version="1.0" encoding="utf-8"?>
-<p:sld xmlns:a="http://schemas.openxmlformats.org/drawingml/2006/main" xmlns:r="http://schemas.openxmlformats.org/officeDocument/2006/relationships" xmlns:p="http://schemas.openxmlformats.org/presentationml/2006/main">
-  <p:cSld>
-    <p:spTree>
-      <p:nvGrpSpPr>
-        <p:cNvPr id="1" name=""/>
-        <p:cNvGrpSpPr/>
-        <p:nvPr/>
-      </p:nvGrpSpPr>
-      <p:grpSpPr>
-        <a:xfrm>
-          <a:off x="0" y="0"/>
-          <a:ext cx="0" cy="0"/>
-          <a:chOff x="0" y="0"/>
-          <a:chExt cx="0" cy="0"/>
-        </a:xfrm>
-      </p:grpSpPr>
-      <p:sp>
-        <p:nvSpPr>
-          <p:cNvPr id="4" name="Rectangle 3"/>
-          <p:cNvSpPr/>
-          <p:nvPr/>
-        </p:nvSpPr>
-        <p:spPr>
-          <a:xfrm>
-            <a:off x="4643120" y="1894840"/>
-            <a:ext cx="1668780" cy="665480"/>
+            <a:off x="406400" y="558800"/>
+            <a:ext cx="1083187" cy="532581"/>
           </a:xfrm>
           <a:prstGeom prst="rect">
             <a:avLst/>
@@ -3389,7 +3252,7 @@
                   <a:srgbClr val="000000"/>
                 </a:solidFill>
               </a:rPr>
-              <a:t>Communication</a:t>
+              <a:t>Input Image Scanner</a:t>
             </a:r>
             <a:endParaRPr lang="en-US" sz="1200" dirty="0">
               <a:solidFill>
@@ -3401,14 +3264,14 @@
       </p:sp>
       <p:sp>
         <p:nvSpPr>
-          <p:cNvPr id="5" name="Rectangle 4"/>
+          <p:cNvPr id="7" name="Rectangle 6"/>
           <p:cNvSpPr/>
           <p:nvPr/>
         </p:nvSpPr>
         <p:spPr>
           <a:xfrm>
-            <a:off x="4643120" y="558800"/>
-            <a:ext cx="1668780" cy="665480"/>
+            <a:off x="2476500" y="558800"/>
+            <a:ext cx="1122106" cy="532581"/>
           </a:xfrm>
           <a:prstGeom prst="rect">
             <a:avLst/>
@@ -3446,120 +3309,6 @@
                   <a:srgbClr val="000000"/>
                 </a:solidFill>
               </a:rPr>
-              <a:t>Work Distributor + Planner</a:t>
-            </a:r>
-            <a:endParaRPr lang="en-US" sz="1200" dirty="0">
-              <a:solidFill>
-                <a:srgbClr val="000000"/>
-              </a:solidFill>
-            </a:endParaRPr>
-          </a:p>
-        </p:txBody>
-      </p:sp>
-      <p:sp>
-        <p:nvSpPr>
-          <p:cNvPr id="6" name="Rectangle 5"/>
-          <p:cNvSpPr/>
-          <p:nvPr/>
-        </p:nvSpPr>
-        <p:spPr>
-          <a:xfrm>
-            <a:off x="406400" y="558800"/>
-            <a:ext cx="1333500" cy="665480"/>
-          </a:xfrm>
-          <a:prstGeom prst="rect">
-            <a:avLst/>
-          </a:prstGeom>
-          <a:noFill/>
-          <a:ln>
-            <a:solidFill>
-              <a:schemeClr val="tx1"/>
-            </a:solidFill>
-          </a:ln>
-          <a:effectLst/>
-        </p:spPr>
-        <p:style>
-          <a:lnRef idx="1">
-            <a:schemeClr val="accent1"/>
-          </a:lnRef>
-          <a:fillRef idx="3">
-            <a:schemeClr val="accent1"/>
-          </a:fillRef>
-          <a:effectRef idx="2">
-            <a:schemeClr val="accent1"/>
-          </a:effectRef>
-          <a:fontRef idx="minor">
-            <a:schemeClr val="lt1"/>
-          </a:fontRef>
-        </p:style>
-        <p:txBody>
-          <a:bodyPr anchor="ctr" anchorCtr="0"/>
-          <a:lstStyle/>
-          <a:p>
-            <a:pPr algn="ctr"/>
-            <a:r>
-              <a:rPr lang="en-US" sz="1200" dirty="0" smtClean="0">
-                <a:solidFill>
-                  <a:srgbClr val="000000"/>
-                </a:solidFill>
-              </a:rPr>
-              <a:t>Image Scanner</a:t>
-            </a:r>
-            <a:endParaRPr lang="en-US" sz="1200" dirty="0">
-              <a:solidFill>
-                <a:srgbClr val="000000"/>
-              </a:solidFill>
-            </a:endParaRPr>
-          </a:p>
-        </p:txBody>
-      </p:sp>
-      <p:sp>
-        <p:nvSpPr>
-          <p:cNvPr id="7" name="Rectangle 6"/>
-          <p:cNvSpPr/>
-          <p:nvPr/>
-        </p:nvSpPr>
-        <p:spPr>
-          <a:xfrm>
-            <a:off x="2476500" y="558800"/>
-            <a:ext cx="1333500" cy="665480"/>
-          </a:xfrm>
-          <a:prstGeom prst="rect">
-            <a:avLst/>
-          </a:prstGeom>
-          <a:noFill/>
-          <a:ln>
-            <a:solidFill>
-              <a:schemeClr val="tx1"/>
-            </a:solidFill>
-          </a:ln>
-          <a:effectLst/>
-        </p:spPr>
-        <p:style>
-          <a:lnRef idx="1">
-            <a:schemeClr val="accent1"/>
-          </a:lnRef>
-          <a:fillRef idx="3">
-            <a:schemeClr val="accent1"/>
-          </a:fillRef>
-          <a:effectRef idx="2">
-            <a:schemeClr val="accent1"/>
-          </a:effectRef>
-          <a:fontRef idx="minor">
-            <a:schemeClr val="lt1"/>
-          </a:fontRef>
-        </p:style>
-        <p:txBody>
-          <a:bodyPr anchor="ctr" anchorCtr="0"/>
-          <a:lstStyle/>
-          <a:p>
-            <a:pPr algn="ctr"/>
-            <a:r>
-              <a:rPr lang="en-US" sz="1200" dirty="0" smtClean="0">
-                <a:solidFill>
-                  <a:srgbClr val="000000"/>
-                </a:solidFill>
-              </a:rPr>
               <a:t>Image Processor</a:t>
             </a:r>
             <a:endParaRPr lang="en-US" sz="1200" dirty="0">
@@ -3581,8 +3330,8 @@
         </p:nvCxnSpPr>
         <p:spPr>
           <a:xfrm>
-            <a:off x="1739900" y="891540"/>
-            <a:ext cx="736600" cy="0"/>
+            <a:off x="1489587" y="825091"/>
+            <a:ext cx="986913" cy="0"/>
           </a:xfrm>
           <a:prstGeom prst="straightConnector1">
             <a:avLst/>
@@ -3621,8 +3370,8 @@
         </p:nvCxnSpPr>
         <p:spPr>
           <a:xfrm>
-            <a:off x="3810000" y="891540"/>
-            <a:ext cx="833120" cy="0"/>
+            <a:off x="3598606" y="825091"/>
+            <a:ext cx="1044514" cy="0"/>
           </a:xfrm>
           <a:prstGeom prst="straightConnector1">
             <a:avLst/>
@@ -3652,7 +3401,7 @@
       </p:cxnSp>
       <p:cxnSp>
         <p:nvCxnSpPr>
-          <p:cNvPr id="16" name="Straight Arrow Connector 15"/>
+          <p:cNvPr id="11" name="Straight Arrow Connector 10"/>
           <p:cNvCxnSpPr>
             <a:stCxn id="5" idx="2"/>
             <a:endCxn id="4" idx="0"/>
@@ -3661,8 +3410,331 @@
         </p:nvCxnSpPr>
         <p:spPr>
           <a:xfrm>
-            <a:off x="5477510" y="1224280"/>
-            <a:ext cx="0" cy="670560"/>
+            <a:off x="5381851" y="1091381"/>
+            <a:ext cx="0" cy="650077"/>
+          </a:xfrm>
+          <a:prstGeom prst="straightConnector1">
+            <a:avLst/>
+          </a:prstGeom>
+          <a:ln>
+            <a:solidFill>
+              <a:schemeClr val="tx1"/>
+            </a:solidFill>
+            <a:headEnd type="arrow"/>
+            <a:tailEnd type="arrow"/>
+          </a:ln>
+          <a:effectLst/>
+        </p:spPr>
+        <p:style>
+          <a:lnRef idx="2">
+            <a:schemeClr val="accent1"/>
+          </a:lnRef>
+          <a:fillRef idx="0">
+            <a:schemeClr val="accent1"/>
+          </a:fillRef>
+          <a:effectRef idx="1">
+            <a:schemeClr val="accent1"/>
+          </a:effectRef>
+          <a:fontRef idx="minor">
+            <a:schemeClr val="tx1"/>
+          </a:fontRef>
+        </p:style>
+      </p:cxnSp>
+      <p:sp>
+        <p:nvSpPr>
+          <p:cNvPr id="4" name="Rectangle 3"/>
+          <p:cNvSpPr/>
+          <p:nvPr/>
+        </p:nvSpPr>
+        <p:spPr>
+          <a:xfrm>
+            <a:off x="4643120" y="1741458"/>
+            <a:ext cx="1477461" cy="584855"/>
+          </a:xfrm>
+          <a:prstGeom prst="rect">
+            <a:avLst/>
+          </a:prstGeom>
+          <a:solidFill>
+            <a:schemeClr val="bg1"/>
+          </a:solidFill>
+          <a:ln>
+            <a:solidFill>
+              <a:schemeClr val="tx1"/>
+            </a:solidFill>
+          </a:ln>
+          <a:effectLst/>
+        </p:spPr>
+        <p:style>
+          <a:lnRef idx="1">
+            <a:schemeClr val="accent1"/>
+          </a:lnRef>
+          <a:fillRef idx="3">
+            <a:schemeClr val="accent1"/>
+          </a:fillRef>
+          <a:effectRef idx="2">
+            <a:schemeClr val="accent1"/>
+          </a:effectRef>
+          <a:fontRef idx="minor">
+            <a:schemeClr val="lt1"/>
+          </a:fontRef>
+        </p:style>
+        <p:txBody>
+          <a:bodyPr anchor="ctr" anchorCtr="0"/>
+          <a:lstStyle/>
+          <a:p>
+            <a:pPr algn="ctr"/>
+            <a:r>
+              <a:rPr lang="en-US" sz="1200" dirty="0" smtClean="0">
+                <a:solidFill>
+                  <a:srgbClr val="000000"/>
+                </a:solidFill>
+              </a:rPr>
+              <a:t>Communication</a:t>
+            </a:r>
+            <a:endParaRPr lang="en-US" sz="1200" dirty="0">
+              <a:solidFill>
+                <a:srgbClr val="000000"/>
+              </a:solidFill>
+            </a:endParaRPr>
+          </a:p>
+        </p:txBody>
+      </p:sp>
+      <p:sp>
+        <p:nvSpPr>
+          <p:cNvPr id="15" name="Rectangle 14"/>
+          <p:cNvSpPr/>
+          <p:nvPr/>
+        </p:nvSpPr>
+        <p:spPr>
+          <a:xfrm>
+            <a:off x="2587911" y="3407193"/>
+            <a:ext cx="1137674" cy="597062"/>
+          </a:xfrm>
+          <a:prstGeom prst="rect">
+            <a:avLst/>
+          </a:prstGeom>
+          <a:noFill/>
+          <a:ln>
+            <a:solidFill>
+              <a:schemeClr val="tx1"/>
+            </a:solidFill>
+          </a:ln>
+          <a:effectLst/>
+        </p:spPr>
+        <p:style>
+          <a:lnRef idx="1">
+            <a:schemeClr val="accent1"/>
+          </a:lnRef>
+          <a:fillRef idx="3">
+            <a:schemeClr val="accent1"/>
+          </a:fillRef>
+          <a:effectRef idx="2">
+            <a:schemeClr val="accent1"/>
+          </a:effectRef>
+          <a:fontRef idx="minor">
+            <a:schemeClr val="lt1"/>
+          </a:fontRef>
+        </p:style>
+        <p:txBody>
+          <a:bodyPr anchor="ctr" anchorCtr="0"/>
+          <a:lstStyle/>
+          <a:p>
+            <a:pPr algn="ctr"/>
+            <a:r>
+              <a:rPr lang="en-US" sz="1200" dirty="0" smtClean="0">
+                <a:solidFill>
+                  <a:srgbClr val="000000"/>
+                </a:solidFill>
+              </a:rPr>
+              <a:t>Localization</a:t>
+            </a:r>
+            <a:endParaRPr lang="en-US" sz="1200" dirty="0">
+              <a:solidFill>
+                <a:srgbClr val="000000"/>
+              </a:solidFill>
+            </a:endParaRPr>
+          </a:p>
+        </p:txBody>
+      </p:sp>
+      <p:sp>
+        <p:nvSpPr>
+          <p:cNvPr id="17" name="Rectangle 16"/>
+          <p:cNvSpPr/>
+          <p:nvPr/>
+        </p:nvSpPr>
+        <p:spPr>
+          <a:xfrm>
+            <a:off x="4715101" y="3378695"/>
+            <a:ext cx="1333500" cy="665480"/>
+          </a:xfrm>
+          <a:prstGeom prst="rect">
+            <a:avLst/>
+          </a:prstGeom>
+          <a:noFill/>
+          <a:ln>
+            <a:solidFill>
+              <a:schemeClr val="tx1"/>
+            </a:solidFill>
+          </a:ln>
+          <a:effectLst/>
+        </p:spPr>
+        <p:style>
+          <a:lnRef idx="1">
+            <a:schemeClr val="accent1"/>
+          </a:lnRef>
+          <a:fillRef idx="3">
+            <a:schemeClr val="accent1"/>
+          </a:fillRef>
+          <a:effectRef idx="2">
+            <a:schemeClr val="accent1"/>
+          </a:effectRef>
+          <a:fontRef idx="minor">
+            <a:schemeClr val="lt1"/>
+          </a:fontRef>
+        </p:style>
+        <p:txBody>
+          <a:bodyPr anchor="ctr" anchorCtr="0"/>
+          <a:lstStyle/>
+          <a:p>
+            <a:pPr algn="ctr"/>
+            <a:r>
+              <a:rPr lang="en-US" sz="1200" dirty="0" smtClean="0">
+                <a:solidFill>
+                  <a:srgbClr val="000000"/>
+                </a:solidFill>
+              </a:rPr>
+              <a:t>Drive Controller</a:t>
+            </a:r>
+            <a:endParaRPr lang="en-US" sz="1200" dirty="0">
+              <a:solidFill>
+                <a:srgbClr val="000000"/>
+              </a:solidFill>
+            </a:endParaRPr>
+          </a:p>
+        </p:txBody>
+      </p:sp>
+      <p:sp>
+        <p:nvSpPr>
+          <p:cNvPr id="18" name="Rectangle 17"/>
+          <p:cNvSpPr/>
+          <p:nvPr/>
+        </p:nvSpPr>
+        <p:spPr>
+          <a:xfrm>
+            <a:off x="6842289" y="3404472"/>
+            <a:ext cx="1333500" cy="665480"/>
+          </a:xfrm>
+          <a:prstGeom prst="rect">
+            <a:avLst/>
+          </a:prstGeom>
+          <a:noFill/>
+          <a:ln>
+            <a:solidFill>
+              <a:schemeClr val="tx1"/>
+            </a:solidFill>
+          </a:ln>
+          <a:effectLst/>
+        </p:spPr>
+        <p:style>
+          <a:lnRef idx="1">
+            <a:schemeClr val="accent1"/>
+          </a:lnRef>
+          <a:fillRef idx="3">
+            <a:schemeClr val="accent1"/>
+          </a:fillRef>
+          <a:effectRef idx="2">
+            <a:schemeClr val="accent1"/>
+          </a:effectRef>
+          <a:fontRef idx="minor">
+            <a:schemeClr val="lt1"/>
+          </a:fontRef>
+        </p:style>
+        <p:txBody>
+          <a:bodyPr anchor="ctr" anchorCtr="0"/>
+          <a:lstStyle/>
+          <a:p>
+            <a:pPr algn="ctr"/>
+            <a:r>
+              <a:rPr lang="en-US" sz="1200" dirty="0" smtClean="0">
+                <a:solidFill>
+                  <a:srgbClr val="000000"/>
+                </a:solidFill>
+              </a:rPr>
+              <a:t>Paint Distributor</a:t>
+            </a:r>
+            <a:endParaRPr lang="en-US" sz="1200" dirty="0">
+              <a:solidFill>
+                <a:srgbClr val="000000"/>
+              </a:solidFill>
+            </a:endParaRPr>
+          </a:p>
+        </p:txBody>
+      </p:sp>
+      <p:sp>
+        <p:nvSpPr>
+          <p:cNvPr id="25" name="Rectangle 24"/>
+          <p:cNvSpPr/>
+          <p:nvPr/>
+        </p:nvSpPr>
+        <p:spPr>
+          <a:xfrm>
+            <a:off x="6842287" y="4575674"/>
+            <a:ext cx="1333500" cy="665480"/>
+          </a:xfrm>
+          <a:prstGeom prst="rect">
+            <a:avLst/>
+          </a:prstGeom>
+          <a:noFill/>
+          <a:ln>
+            <a:solidFill>
+              <a:schemeClr val="tx1"/>
+            </a:solidFill>
+          </a:ln>
+          <a:effectLst/>
+        </p:spPr>
+        <p:style>
+          <a:lnRef idx="1">
+            <a:schemeClr val="accent1"/>
+          </a:lnRef>
+          <a:fillRef idx="3">
+            <a:schemeClr val="accent1"/>
+          </a:fillRef>
+          <a:effectRef idx="2">
+            <a:schemeClr val="accent1"/>
+          </a:effectRef>
+          <a:fontRef idx="minor">
+            <a:schemeClr val="lt1"/>
+          </a:fontRef>
+        </p:style>
+        <p:txBody>
+          <a:bodyPr anchor="ctr" anchorCtr="0"/>
+          <a:lstStyle/>
+          <a:p>
+            <a:pPr algn="ctr"/>
+            <a:r>
+              <a:rPr lang="en-US" sz="1200" dirty="0" smtClean="0">
+                <a:solidFill>
+                  <a:srgbClr val="000000"/>
+                </a:solidFill>
+              </a:rPr>
+              <a:t>Writing Tool Mechanism</a:t>
+            </a:r>
+          </a:p>
+        </p:txBody>
+      </p:sp>
+      <p:cxnSp>
+        <p:nvCxnSpPr>
+          <p:cNvPr id="26" name="Straight Arrow Connector 25"/>
+          <p:cNvCxnSpPr>
+            <a:stCxn id="18" idx="2"/>
+            <a:endCxn id="25" idx="0"/>
+          </p:cNvCxnSpPr>
+          <p:nvPr/>
+        </p:nvCxnSpPr>
+        <p:spPr>
+          <a:xfrm flipH="1">
+            <a:off x="7509037" y="4069952"/>
+            <a:ext cx="2" cy="505722"/>
           </a:xfrm>
           <a:prstGeom prst="straightConnector1">
             <a:avLst/>
@@ -3690,16 +3762,537 @@
           </a:fontRef>
         </p:style>
       </p:cxnSp>
+      <p:sp>
+        <p:nvSpPr>
+          <p:cNvPr id="36" name="Rectangle 35"/>
+          <p:cNvSpPr/>
+          <p:nvPr/>
+        </p:nvSpPr>
+        <p:spPr>
+          <a:xfrm>
+            <a:off x="4715100" y="5463642"/>
+            <a:ext cx="1333500" cy="665480"/>
+          </a:xfrm>
+          <a:prstGeom prst="rect">
+            <a:avLst/>
+          </a:prstGeom>
+          <a:noFill/>
+          <a:ln>
+            <a:solidFill>
+              <a:schemeClr val="tx1"/>
+            </a:solidFill>
+          </a:ln>
+          <a:effectLst/>
+        </p:spPr>
+        <p:style>
+          <a:lnRef idx="1">
+            <a:schemeClr val="accent1"/>
+          </a:lnRef>
+          <a:fillRef idx="3">
+            <a:schemeClr val="accent1"/>
+          </a:fillRef>
+          <a:effectRef idx="2">
+            <a:schemeClr val="accent1"/>
+          </a:effectRef>
+          <a:fontRef idx="minor">
+            <a:schemeClr val="lt1"/>
+          </a:fontRef>
+        </p:style>
+        <p:txBody>
+          <a:bodyPr anchor="ctr" anchorCtr="0"/>
+          <a:lstStyle/>
+          <a:p>
+            <a:pPr algn="ctr"/>
+            <a:r>
+              <a:rPr lang="en-US" sz="1200" dirty="0" smtClean="0">
+                <a:solidFill>
+                  <a:srgbClr val="000000"/>
+                </a:solidFill>
+              </a:rPr>
+              <a:t>Power System</a:t>
+            </a:r>
+            <a:endParaRPr lang="en-US" sz="1200" dirty="0">
+              <a:solidFill>
+                <a:srgbClr val="000000"/>
+              </a:solidFill>
+            </a:endParaRPr>
+          </a:p>
+        </p:txBody>
+      </p:sp>
       <p:cxnSp>
         <p:nvCxnSpPr>
-          <p:cNvPr id="19" name="Straight Connector 18"/>
+          <p:cNvPr id="40" name="Straight Arrow Connector 39"/>
+          <p:cNvCxnSpPr>
+            <a:stCxn id="4" idx="2"/>
+            <a:endCxn id="17" idx="0"/>
+          </p:cNvCxnSpPr>
+          <p:nvPr/>
+        </p:nvCxnSpPr>
+        <p:spPr>
+          <a:xfrm>
+            <a:off x="5381851" y="2326313"/>
+            <a:ext cx="0" cy="1052382"/>
+          </a:xfrm>
+          <a:prstGeom prst="straightConnector1">
+            <a:avLst/>
+          </a:prstGeom>
+          <a:ln>
+            <a:solidFill>
+              <a:schemeClr val="tx1"/>
+            </a:solidFill>
+            <a:headEnd type="arrow"/>
+            <a:tailEnd type="arrow"/>
+          </a:ln>
+          <a:effectLst/>
+        </p:spPr>
+        <p:style>
+          <a:lnRef idx="2">
+            <a:schemeClr val="accent1"/>
+          </a:lnRef>
+          <a:fillRef idx="0">
+            <a:schemeClr val="accent1"/>
+          </a:fillRef>
+          <a:effectRef idx="1">
+            <a:schemeClr val="accent1"/>
+          </a:effectRef>
+          <a:fontRef idx="minor">
+            <a:schemeClr val="tx1"/>
+          </a:fontRef>
+        </p:style>
+      </p:cxnSp>
+      <p:sp>
+        <p:nvSpPr>
+          <p:cNvPr id="61" name="Rectangle 60"/>
+          <p:cNvSpPr/>
+          <p:nvPr/>
+        </p:nvSpPr>
+        <p:spPr>
+          <a:xfrm>
+            <a:off x="4715101" y="4533514"/>
+            <a:ext cx="1333500" cy="665480"/>
+          </a:xfrm>
+          <a:prstGeom prst="rect">
+            <a:avLst/>
+          </a:prstGeom>
+          <a:noFill/>
+          <a:ln>
+            <a:solidFill>
+              <a:schemeClr val="tx1"/>
+            </a:solidFill>
+          </a:ln>
+          <a:effectLst/>
+        </p:spPr>
+        <p:style>
+          <a:lnRef idx="1">
+            <a:schemeClr val="accent1"/>
+          </a:lnRef>
+          <a:fillRef idx="3">
+            <a:schemeClr val="accent1"/>
+          </a:fillRef>
+          <a:effectRef idx="2">
+            <a:schemeClr val="accent1"/>
+          </a:effectRef>
+          <a:fontRef idx="minor">
+            <a:schemeClr val="lt1"/>
+          </a:fontRef>
+        </p:style>
+        <p:txBody>
+          <a:bodyPr anchor="ctr" anchorCtr="0"/>
+          <a:lstStyle/>
+          <a:p>
+            <a:pPr algn="ctr"/>
+            <a:r>
+              <a:rPr lang="en-US" sz="1200" dirty="0" smtClean="0">
+                <a:solidFill>
+                  <a:srgbClr val="000000"/>
+                </a:solidFill>
+              </a:rPr>
+              <a:t>Drive Safety</a:t>
+            </a:r>
+          </a:p>
+        </p:txBody>
+      </p:sp>
+      <p:cxnSp>
+        <p:nvCxnSpPr>
+          <p:cNvPr id="62" name="Straight Arrow Connector 61"/>
+          <p:cNvCxnSpPr>
+            <a:stCxn id="61" idx="0"/>
+            <a:endCxn id="17" idx="2"/>
+          </p:cNvCxnSpPr>
+          <p:nvPr/>
+        </p:nvCxnSpPr>
+        <p:spPr>
+          <a:xfrm flipV="1">
+            <a:off x="5381851" y="4044175"/>
+            <a:ext cx="0" cy="489339"/>
+          </a:xfrm>
+          <a:prstGeom prst="straightConnector1">
+            <a:avLst/>
+          </a:prstGeom>
+          <a:ln>
+            <a:solidFill>
+              <a:schemeClr val="tx1"/>
+            </a:solidFill>
+            <a:tailEnd type="arrow"/>
+          </a:ln>
+          <a:effectLst/>
+        </p:spPr>
+        <p:style>
+          <a:lnRef idx="2">
+            <a:schemeClr val="accent1"/>
+          </a:lnRef>
+          <a:fillRef idx="0">
+            <a:schemeClr val="accent1"/>
+          </a:fillRef>
+          <a:effectRef idx="1">
+            <a:schemeClr val="accent1"/>
+          </a:effectRef>
+          <a:fontRef idx="minor">
+            <a:schemeClr val="tx1"/>
+          </a:fontRef>
+        </p:style>
+      </p:cxnSp>
+      <p:sp>
+        <p:nvSpPr>
+          <p:cNvPr id="103" name="Rectangle 102"/>
+          <p:cNvSpPr/>
+          <p:nvPr/>
+        </p:nvSpPr>
+        <p:spPr>
+          <a:xfrm>
+            <a:off x="2609494" y="4645743"/>
+            <a:ext cx="1094508" cy="525341"/>
+          </a:xfrm>
+          <a:prstGeom prst="rect">
+            <a:avLst/>
+          </a:prstGeom>
+          <a:noFill/>
+          <a:ln>
+            <a:solidFill>
+              <a:schemeClr val="tx1"/>
+            </a:solidFill>
+          </a:ln>
+          <a:effectLst/>
+        </p:spPr>
+        <p:style>
+          <a:lnRef idx="1">
+            <a:schemeClr val="accent1"/>
+          </a:lnRef>
+          <a:fillRef idx="3">
+            <a:schemeClr val="accent1"/>
+          </a:fillRef>
+          <a:effectRef idx="2">
+            <a:schemeClr val="accent1"/>
+          </a:effectRef>
+          <a:fontRef idx="minor">
+            <a:schemeClr val="lt1"/>
+          </a:fontRef>
+        </p:style>
+        <p:txBody>
+          <a:bodyPr anchor="ctr" anchorCtr="0"/>
+          <a:lstStyle/>
+          <a:p>
+            <a:pPr algn="ctr"/>
+            <a:r>
+              <a:rPr lang="en-US" sz="1200" dirty="0" smtClean="0">
+                <a:solidFill>
+                  <a:srgbClr val="000000"/>
+                </a:solidFill>
+              </a:rPr>
+              <a:t>Sensor Module</a:t>
+            </a:r>
+            <a:endParaRPr lang="en-US" sz="1200" dirty="0">
+              <a:solidFill>
+                <a:srgbClr val="000000"/>
+              </a:solidFill>
+            </a:endParaRPr>
+          </a:p>
+        </p:txBody>
+      </p:sp>
+      <p:cxnSp>
+        <p:nvCxnSpPr>
+          <p:cNvPr id="104" name="Elbow Connector 103"/>
+          <p:cNvCxnSpPr>
+            <a:stCxn id="36" idx="1"/>
+            <a:endCxn id="17" idx="1"/>
+          </p:cNvCxnSpPr>
+          <p:nvPr/>
+        </p:nvCxnSpPr>
+        <p:spPr>
+          <a:xfrm rot="10800000" flipH="1">
+            <a:off x="4715099" y="3711436"/>
+            <a:ext cx="1" cy="2084947"/>
+          </a:xfrm>
+          <a:prstGeom prst="bentConnector3">
+            <a:avLst>
+              <a:gd name="adj1" fmla="val -22860000000"/>
+            </a:avLst>
+          </a:prstGeom>
+          <a:ln w="25400">
+            <a:solidFill>
+              <a:schemeClr val="tx1"/>
+            </a:solidFill>
+            <a:tailEnd type="arrow"/>
+          </a:ln>
+        </p:spPr>
+        <p:style>
+          <a:lnRef idx="1">
+            <a:schemeClr val="accent1"/>
+          </a:lnRef>
+          <a:fillRef idx="0">
+            <a:schemeClr val="accent1"/>
+          </a:fillRef>
+          <a:effectRef idx="0">
+            <a:schemeClr val="accent1"/>
+          </a:effectRef>
+          <a:fontRef idx="minor">
+            <a:schemeClr val="tx1"/>
+          </a:fontRef>
+        </p:style>
+      </p:cxnSp>
+      <p:cxnSp>
+        <p:nvCxnSpPr>
+          <p:cNvPr id="137" name="Straight Arrow Connector 136"/>
+          <p:cNvCxnSpPr>
+            <a:stCxn id="103" idx="0"/>
+            <a:endCxn id="15" idx="2"/>
+          </p:cNvCxnSpPr>
+          <p:nvPr/>
+        </p:nvCxnSpPr>
+        <p:spPr>
+          <a:xfrm flipV="1">
+            <a:off x="3156748" y="4004255"/>
+            <a:ext cx="0" cy="641488"/>
+          </a:xfrm>
+          <a:prstGeom prst="straightConnector1">
+            <a:avLst/>
+          </a:prstGeom>
+          <a:ln>
+            <a:solidFill>
+              <a:schemeClr val="tx1"/>
+            </a:solidFill>
+            <a:tailEnd type="arrow"/>
+          </a:ln>
+          <a:effectLst/>
+        </p:spPr>
+        <p:style>
+          <a:lnRef idx="2">
+            <a:schemeClr val="accent1"/>
+          </a:lnRef>
+          <a:fillRef idx="0">
+            <a:schemeClr val="accent1"/>
+          </a:fillRef>
+          <a:effectRef idx="1">
+            <a:schemeClr val="accent1"/>
+          </a:effectRef>
+          <a:fontRef idx="minor">
+            <a:schemeClr val="tx1"/>
+          </a:fontRef>
+        </p:style>
+      </p:cxnSp>
+      <p:sp>
+        <p:nvSpPr>
+          <p:cNvPr id="140" name="Rectangle 139"/>
+          <p:cNvSpPr/>
+          <p:nvPr/>
+        </p:nvSpPr>
+        <p:spPr>
+          <a:xfrm>
+            <a:off x="2609494" y="2293323"/>
+            <a:ext cx="1094508" cy="525341"/>
+          </a:xfrm>
+          <a:prstGeom prst="rect">
+            <a:avLst/>
+          </a:prstGeom>
+          <a:noFill/>
+          <a:ln>
+            <a:solidFill>
+              <a:schemeClr val="tx1"/>
+            </a:solidFill>
+          </a:ln>
+          <a:effectLst/>
+        </p:spPr>
+        <p:style>
+          <a:lnRef idx="1">
+            <a:schemeClr val="accent1"/>
+          </a:lnRef>
+          <a:fillRef idx="3">
+            <a:schemeClr val="accent1"/>
+          </a:fillRef>
+          <a:effectRef idx="2">
+            <a:schemeClr val="accent1"/>
+          </a:effectRef>
+          <a:fontRef idx="minor">
+            <a:schemeClr val="lt1"/>
+          </a:fontRef>
+        </p:style>
+        <p:txBody>
+          <a:bodyPr anchor="ctr" anchorCtr="0"/>
+          <a:lstStyle/>
+          <a:p>
+            <a:pPr algn="ctr"/>
+            <a:r>
+              <a:rPr lang="en-US" sz="1200" dirty="0" smtClean="0">
+                <a:solidFill>
+                  <a:srgbClr val="000000"/>
+                </a:solidFill>
+              </a:rPr>
+              <a:t>Localization Safety</a:t>
+            </a:r>
+            <a:endParaRPr lang="en-US" sz="1200" dirty="0">
+              <a:solidFill>
+                <a:srgbClr val="000000"/>
+              </a:solidFill>
+            </a:endParaRPr>
+          </a:p>
+        </p:txBody>
+      </p:sp>
+      <p:cxnSp>
+        <p:nvCxnSpPr>
+          <p:cNvPr id="141" name="Straight Arrow Connector 140"/>
+          <p:cNvCxnSpPr>
+            <a:stCxn id="140" idx="2"/>
+            <a:endCxn id="15" idx="0"/>
+          </p:cNvCxnSpPr>
+          <p:nvPr/>
+        </p:nvCxnSpPr>
+        <p:spPr>
+          <a:xfrm>
+            <a:off x="3156748" y="2818664"/>
+            <a:ext cx="0" cy="588529"/>
+          </a:xfrm>
+          <a:prstGeom prst="straightConnector1">
+            <a:avLst/>
+          </a:prstGeom>
+          <a:ln>
+            <a:solidFill>
+              <a:schemeClr val="tx1"/>
+            </a:solidFill>
+            <a:tailEnd type="arrow"/>
+          </a:ln>
+          <a:effectLst/>
+        </p:spPr>
+        <p:style>
+          <a:lnRef idx="2">
+            <a:schemeClr val="accent1"/>
+          </a:lnRef>
+          <a:fillRef idx="0">
+            <a:schemeClr val="accent1"/>
+          </a:fillRef>
+          <a:effectRef idx="1">
+            <a:schemeClr val="accent1"/>
+          </a:effectRef>
+          <a:fontRef idx="minor">
+            <a:schemeClr val="tx1"/>
+          </a:fontRef>
+        </p:style>
+      </p:cxnSp>
+      <p:sp>
+        <p:nvSpPr>
+          <p:cNvPr id="147" name="Rectangle 146"/>
+          <p:cNvSpPr/>
+          <p:nvPr/>
+        </p:nvSpPr>
+        <p:spPr>
+          <a:xfrm>
+            <a:off x="503887" y="3453521"/>
+            <a:ext cx="1094508" cy="525341"/>
+          </a:xfrm>
+          <a:prstGeom prst="rect">
+            <a:avLst/>
+          </a:prstGeom>
+          <a:noFill/>
+          <a:ln>
+            <a:solidFill>
+              <a:schemeClr val="tx1"/>
+            </a:solidFill>
+          </a:ln>
+          <a:effectLst/>
+        </p:spPr>
+        <p:style>
+          <a:lnRef idx="1">
+            <a:schemeClr val="accent1"/>
+          </a:lnRef>
+          <a:fillRef idx="3">
+            <a:schemeClr val="accent1"/>
+          </a:fillRef>
+          <a:effectRef idx="2">
+            <a:schemeClr val="accent1"/>
+          </a:effectRef>
+          <a:fontRef idx="minor">
+            <a:schemeClr val="lt1"/>
+          </a:fontRef>
+        </p:style>
+        <p:txBody>
+          <a:bodyPr anchor="ctr" anchorCtr="0"/>
+          <a:lstStyle/>
+          <a:p>
+            <a:pPr algn="ctr"/>
+            <a:r>
+              <a:rPr lang="en-US" sz="1200" dirty="0" smtClean="0">
+                <a:solidFill>
+                  <a:srgbClr val="000000"/>
+                </a:solidFill>
+              </a:rPr>
+              <a:t>Vision Markers</a:t>
+            </a:r>
+            <a:endParaRPr lang="en-US" sz="1200" dirty="0">
+              <a:solidFill>
+                <a:srgbClr val="000000"/>
+              </a:solidFill>
+            </a:endParaRPr>
+          </a:p>
+        </p:txBody>
+      </p:sp>
+      <p:cxnSp>
+        <p:nvCxnSpPr>
+          <p:cNvPr id="168" name="Elbow Connector 167"/>
+          <p:cNvCxnSpPr>
+            <a:stCxn id="147" idx="2"/>
+            <a:endCxn id="103" idx="1"/>
+          </p:cNvCxnSpPr>
+          <p:nvPr/>
+        </p:nvCxnSpPr>
+        <p:spPr>
+          <a:xfrm rot="16200000" flipH="1">
+            <a:off x="1365541" y="3664461"/>
+            <a:ext cx="929552" cy="1558353"/>
+          </a:xfrm>
+          <a:prstGeom prst="bentConnector2">
+            <a:avLst/>
+          </a:prstGeom>
+          <a:ln w="25400">
+            <a:solidFill>
+              <a:schemeClr val="tx1"/>
+            </a:solidFill>
+            <a:tailEnd type="arrow"/>
+          </a:ln>
+        </p:spPr>
+        <p:style>
+          <a:lnRef idx="1">
+            <a:schemeClr val="accent1"/>
+          </a:lnRef>
+          <a:fillRef idx="0">
+            <a:schemeClr val="accent1"/>
+          </a:fillRef>
+          <a:effectRef idx="0">
+            <a:schemeClr val="accent1"/>
+          </a:effectRef>
+          <a:fontRef idx="minor">
+            <a:schemeClr val="tx1"/>
+          </a:fontRef>
+        </p:style>
+      </p:cxnSp>
+      <p:cxnSp>
+        <p:nvCxnSpPr>
+          <p:cNvPr id="173" name="Straight Connector 172"/>
           <p:cNvCxnSpPr/>
           <p:nvPr/>
         </p:nvCxnSpPr>
         <p:spPr>
           <a:xfrm>
-            <a:off x="317500" y="1549400"/>
-            <a:ext cx="8102600" cy="0"/>
+            <a:off x="2157578" y="2074198"/>
+            <a:ext cx="0" cy="4542359"/>
           </a:xfrm>
           <a:prstGeom prst="line">
             <a:avLst/>
@@ -3720,6 +4313,267 @@
             <a:schemeClr val="accent1"/>
           </a:fillRef>
           <a:effectRef idx="1">
+            <a:schemeClr val="accent1"/>
+          </a:effectRef>
+          <a:fontRef idx="minor">
+            <a:schemeClr val="tx1"/>
+          </a:fontRef>
+        </p:style>
+      </p:cxnSp>
+      <p:sp>
+        <p:nvSpPr>
+          <p:cNvPr id="180" name="TextBox 179"/>
+          <p:cNvSpPr txBox="1"/>
+          <p:nvPr/>
+        </p:nvSpPr>
+        <p:spPr>
+          <a:xfrm>
+            <a:off x="7136373" y="1578075"/>
+            <a:ext cx="745332" cy="276999"/>
+          </a:xfrm>
+          <a:prstGeom prst="rect">
+            <a:avLst/>
+          </a:prstGeom>
+          <a:noFill/>
+        </p:spPr>
+        <p:txBody>
+          <a:bodyPr wrap="none" rtlCol="0">
+            <a:spAutoFit/>
+          </a:bodyPr>
+          <a:lstStyle/>
+          <a:p>
+            <a:pPr algn="ctr"/>
+            <a:r>
+              <a:rPr lang="en-US" sz="1200" dirty="0" err="1" smtClean="0"/>
+              <a:t>Offboard</a:t>
+            </a:r>
+            <a:endParaRPr lang="en-US" sz="1200" dirty="0"/>
+          </a:p>
+        </p:txBody>
+      </p:sp>
+      <p:sp>
+        <p:nvSpPr>
+          <p:cNvPr id="181" name="TextBox 180"/>
+          <p:cNvSpPr txBox="1"/>
+          <p:nvPr/>
+        </p:nvSpPr>
+        <p:spPr>
+          <a:xfrm>
+            <a:off x="6943183" y="2171953"/>
+            <a:ext cx="1131714" cy="461665"/>
+          </a:xfrm>
+          <a:prstGeom prst="rect">
+            <a:avLst/>
+          </a:prstGeom>
+          <a:noFill/>
+        </p:spPr>
+        <p:txBody>
+          <a:bodyPr wrap="square" rtlCol="0">
+            <a:spAutoFit/>
+          </a:bodyPr>
+          <a:lstStyle/>
+          <a:p>
+            <a:pPr algn="ctr"/>
+            <a:r>
+              <a:rPr lang="en-US" sz="1200" dirty="0" smtClean="0"/>
+              <a:t>Onboard (single agent)</a:t>
+            </a:r>
+            <a:endParaRPr lang="en-US" sz="1200" dirty="0"/>
+          </a:p>
+        </p:txBody>
+      </p:sp>
+      <p:sp>
+        <p:nvSpPr>
+          <p:cNvPr id="182" name="TextBox 181"/>
+          <p:cNvSpPr txBox="1"/>
+          <p:nvPr/>
+        </p:nvSpPr>
+        <p:spPr>
+          <a:xfrm>
+            <a:off x="268648" y="2270718"/>
+            <a:ext cx="1555555" cy="276999"/>
+          </a:xfrm>
+          <a:prstGeom prst="rect">
+            <a:avLst/>
+          </a:prstGeom>
+          <a:noFill/>
+        </p:spPr>
+        <p:txBody>
+          <a:bodyPr wrap="none" rtlCol="0">
+            <a:spAutoFit/>
+          </a:bodyPr>
+          <a:lstStyle/>
+          <a:p>
+            <a:pPr algn="ctr"/>
+            <a:r>
+              <a:rPr lang="en-US" sz="1200" dirty="0" smtClean="0"/>
+              <a:t>External/Environment</a:t>
+            </a:r>
+            <a:endParaRPr lang="en-US" sz="1200" dirty="0"/>
+          </a:p>
+        </p:txBody>
+      </p:sp>
+      <p:cxnSp>
+        <p:nvCxnSpPr>
+          <p:cNvPr id="192" name="Elbow Connector 191"/>
+          <p:cNvCxnSpPr>
+            <a:stCxn id="36" idx="3"/>
+            <a:endCxn id="18" idx="1"/>
+          </p:cNvCxnSpPr>
+          <p:nvPr/>
+        </p:nvCxnSpPr>
+        <p:spPr>
+          <a:xfrm flipV="1">
+            <a:off x="6048600" y="3737212"/>
+            <a:ext cx="793689" cy="2059170"/>
+          </a:xfrm>
+          <a:prstGeom prst="bentConnector3">
+            <a:avLst>
+              <a:gd name="adj1" fmla="val 50000"/>
+            </a:avLst>
+          </a:prstGeom>
+          <a:ln w="25400">
+            <a:solidFill>
+              <a:schemeClr val="tx1"/>
+            </a:solidFill>
+            <a:headEnd type="none"/>
+            <a:tailEnd type="arrow"/>
+          </a:ln>
+        </p:spPr>
+        <p:style>
+          <a:lnRef idx="1">
+            <a:schemeClr val="accent1"/>
+          </a:lnRef>
+          <a:fillRef idx="0">
+            <a:schemeClr val="accent1"/>
+          </a:fillRef>
+          <a:effectRef idx="0">
+            <a:schemeClr val="accent1"/>
+          </a:effectRef>
+          <a:fontRef idx="minor">
+            <a:schemeClr val="tx1"/>
+          </a:fontRef>
+        </p:style>
+      </p:cxnSp>
+      <p:cxnSp>
+        <p:nvCxnSpPr>
+          <p:cNvPr id="205" name="Elbow Connector 204"/>
+          <p:cNvCxnSpPr>
+            <a:stCxn id="36" idx="1"/>
+            <a:endCxn id="103" idx="3"/>
+          </p:cNvCxnSpPr>
+          <p:nvPr/>
+        </p:nvCxnSpPr>
+        <p:spPr>
+          <a:xfrm rot="10800000">
+            <a:off x="3704002" y="4908414"/>
+            <a:ext cx="1011098" cy="887968"/>
+          </a:xfrm>
+          <a:prstGeom prst="bentConnector3">
+            <a:avLst>
+              <a:gd name="adj1" fmla="val 22286"/>
+            </a:avLst>
+          </a:prstGeom>
+          <a:ln w="25400">
+            <a:solidFill>
+              <a:schemeClr val="tx1"/>
+            </a:solidFill>
+            <a:headEnd type="none"/>
+            <a:tailEnd type="arrow"/>
+          </a:ln>
+        </p:spPr>
+        <p:style>
+          <a:lnRef idx="1">
+            <a:schemeClr val="accent1"/>
+          </a:lnRef>
+          <a:fillRef idx="0">
+            <a:schemeClr val="accent1"/>
+          </a:fillRef>
+          <a:effectRef idx="0">
+            <a:schemeClr val="accent1"/>
+          </a:effectRef>
+          <a:fontRef idx="minor">
+            <a:schemeClr val="tx1"/>
+          </a:fontRef>
+        </p:style>
+      </p:cxnSp>
+      <p:cxnSp>
+        <p:nvCxnSpPr>
+          <p:cNvPr id="234" name="Elbow Connector 233"/>
+          <p:cNvCxnSpPr>
+            <a:stCxn id="4" idx="2"/>
+            <a:endCxn id="15" idx="0"/>
+          </p:cNvCxnSpPr>
+          <p:nvPr/>
+        </p:nvCxnSpPr>
+        <p:spPr>
+          <a:xfrm rot="5400000">
+            <a:off x="3728860" y="1754202"/>
+            <a:ext cx="1080880" cy="2225103"/>
+          </a:xfrm>
+          <a:prstGeom prst="bentConnector3">
+            <a:avLst>
+              <a:gd name="adj1" fmla="val 60916"/>
+            </a:avLst>
+          </a:prstGeom>
+          <a:ln w="25400">
+            <a:solidFill>
+              <a:schemeClr val="tx1"/>
+            </a:solidFill>
+            <a:headEnd type="arrow"/>
+            <a:tailEnd type="arrow"/>
+          </a:ln>
+        </p:spPr>
+        <p:style>
+          <a:lnRef idx="1">
+            <a:schemeClr val="accent1"/>
+          </a:lnRef>
+          <a:fillRef idx="0">
+            <a:schemeClr val="accent1"/>
+          </a:fillRef>
+          <a:effectRef idx="0">
+            <a:schemeClr val="accent1"/>
+          </a:effectRef>
+          <a:fontRef idx="minor">
+            <a:schemeClr val="tx1"/>
+          </a:fontRef>
+        </p:style>
+      </p:cxnSp>
+      <p:cxnSp>
+        <p:nvCxnSpPr>
+          <p:cNvPr id="236" name="Elbow Connector 235"/>
+          <p:cNvCxnSpPr>
+            <a:stCxn id="4" idx="2"/>
+            <a:endCxn id="18" idx="0"/>
+          </p:cNvCxnSpPr>
+          <p:nvPr/>
+        </p:nvCxnSpPr>
+        <p:spPr>
+          <a:xfrm rot="16200000" flipH="1">
+            <a:off x="5906366" y="1801798"/>
+            <a:ext cx="1078159" cy="2127188"/>
+          </a:xfrm>
+          <a:prstGeom prst="bentConnector3">
+            <a:avLst>
+              <a:gd name="adj1" fmla="val 60943"/>
+            </a:avLst>
+          </a:prstGeom>
+          <a:ln w="25400">
+            <a:solidFill>
+              <a:schemeClr val="tx1"/>
+            </a:solidFill>
+            <a:headEnd type="arrow"/>
+            <a:tailEnd type="arrow"/>
+          </a:ln>
+        </p:spPr>
+        <p:style>
+          <a:lnRef idx="1">
+            <a:schemeClr val="accent1"/>
+          </a:lnRef>
+          <a:fillRef idx="0">
+            <a:schemeClr val="accent1"/>
+          </a:fillRef>
+          <a:effectRef idx="0">
             <a:schemeClr val="accent1"/>
           </a:effectRef>
           <a:fontRef idx="minor">
@@ -3740,7 +4594,7 @@
   <p:timing>
     <p:tnLst>
       <p:par>
-        <p:cTn xmlns:p14="http://schemas.microsoft.com/office/powerpoint/2010/main" id="1" dur="indefinite" restart="never" nodeType="tmRoot"/>
+        <p:cTn id="1" dur="indefinite" restart="never" nodeType="tmRoot"/>
       </p:par>
     </p:tnLst>
   </p:timing>

--- a/concept_eval/diagrams/systems_diagram.pptx
+++ b/concept_eval/diagrams/systems_diagram.pptx
@@ -106,7 +106,7 @@
   </p:defaultTextStyle>
   <p:extLst>
     <p:ext uri="{EFAFB233-063F-42B5-8137-9DF3F51BA10A}">
-      <p15:sldGuideLst xmlns:p15="http://schemas.microsoft.com/office/powerpoint/2012/main">
+      <p15:sldGuideLst xmlns:p15="http://schemas.microsoft.com/office/powerpoint/2012/main" xmlns="">
         <p15:guide id="1" orient="horz" pos="2160">
           <p15:clr>
             <a:srgbClr val="A4A3A4"/>
@@ -304,7 +304,7 @@
           <a:p>
             <a:fld id="{E66B24CA-399B-4047-8224-01590B4E0706}" type="datetimeFigureOut">
               <a:rPr lang="en-US" smtClean="0"/>
-              <a:t>10/24/2016</a:t>
+              <a:t>10/25/16</a:t>
             </a:fld>
             <a:endParaRPr lang="en-US"/>
           </a:p>
@@ -474,7 +474,7 @@
           <a:p>
             <a:fld id="{E66B24CA-399B-4047-8224-01590B4E0706}" type="datetimeFigureOut">
               <a:rPr lang="en-US" smtClean="0"/>
-              <a:t>10/24/2016</a:t>
+              <a:t>10/25/16</a:t>
             </a:fld>
             <a:endParaRPr lang="en-US"/>
           </a:p>
@@ -654,7 +654,7 @@
           <a:p>
             <a:fld id="{E66B24CA-399B-4047-8224-01590B4E0706}" type="datetimeFigureOut">
               <a:rPr lang="en-US" smtClean="0"/>
-              <a:t>10/24/2016</a:t>
+              <a:t>10/25/16</a:t>
             </a:fld>
             <a:endParaRPr lang="en-US"/>
           </a:p>
@@ -824,7 +824,7 @@
           <a:p>
             <a:fld id="{E66B24CA-399B-4047-8224-01590B4E0706}" type="datetimeFigureOut">
               <a:rPr lang="en-US" smtClean="0"/>
-              <a:t>10/24/2016</a:t>
+              <a:t>10/25/16</a:t>
             </a:fld>
             <a:endParaRPr lang="en-US"/>
           </a:p>
@@ -1070,7 +1070,7 @@
           <a:p>
             <a:fld id="{E66B24CA-399B-4047-8224-01590B4E0706}" type="datetimeFigureOut">
               <a:rPr lang="en-US" smtClean="0"/>
-              <a:t>10/24/2016</a:t>
+              <a:t>10/25/16</a:t>
             </a:fld>
             <a:endParaRPr lang="en-US"/>
           </a:p>
@@ -1358,7 +1358,7 @@
           <a:p>
             <a:fld id="{E66B24CA-399B-4047-8224-01590B4E0706}" type="datetimeFigureOut">
               <a:rPr lang="en-US" smtClean="0"/>
-              <a:t>10/24/2016</a:t>
+              <a:t>10/25/16</a:t>
             </a:fld>
             <a:endParaRPr lang="en-US"/>
           </a:p>
@@ -1780,7 +1780,7 @@
           <a:p>
             <a:fld id="{E66B24CA-399B-4047-8224-01590B4E0706}" type="datetimeFigureOut">
               <a:rPr lang="en-US" smtClean="0"/>
-              <a:t>10/24/2016</a:t>
+              <a:t>10/25/16</a:t>
             </a:fld>
             <a:endParaRPr lang="en-US"/>
           </a:p>
@@ -1898,7 +1898,7 @@
           <a:p>
             <a:fld id="{E66B24CA-399B-4047-8224-01590B4E0706}" type="datetimeFigureOut">
               <a:rPr lang="en-US" smtClean="0"/>
-              <a:t>10/24/2016</a:t>
+              <a:t>10/25/16</a:t>
             </a:fld>
             <a:endParaRPr lang="en-US"/>
           </a:p>
@@ -1993,7 +1993,7 @@
           <a:p>
             <a:fld id="{E66B24CA-399B-4047-8224-01590B4E0706}" type="datetimeFigureOut">
               <a:rPr lang="en-US" smtClean="0"/>
-              <a:t>10/24/2016</a:t>
+              <a:t>10/25/16</a:t>
             </a:fld>
             <a:endParaRPr lang="en-US"/>
           </a:p>
@@ -2270,7 +2270,7 @@
           <a:p>
             <a:fld id="{E66B24CA-399B-4047-8224-01590B4E0706}" type="datetimeFigureOut">
               <a:rPr lang="en-US" smtClean="0"/>
-              <a:t>10/24/2016</a:t>
+              <a:t>10/25/16</a:t>
             </a:fld>
             <a:endParaRPr lang="en-US"/>
           </a:p>
@@ -2523,7 +2523,7 @@
           <a:p>
             <a:fld id="{E66B24CA-399B-4047-8224-01590B4E0706}" type="datetimeFigureOut">
               <a:rPr lang="en-US" smtClean="0"/>
-              <a:t>10/24/2016</a:t>
+              <a:t>10/25/16</a:t>
             </a:fld>
             <a:endParaRPr lang="en-US"/>
           </a:p>
@@ -2736,7 +2736,7 @@
           <a:p>
             <a:fld id="{E66B24CA-399B-4047-8224-01590B4E0706}" type="datetimeFigureOut">
               <a:rPr lang="en-US" smtClean="0"/>
-              <a:t>10/24/2016</a:t>
+              <a:t>10/25/16</a:t>
             </a:fld>
             <a:endParaRPr lang="en-US"/>
           </a:p>
@@ -3603,7 +3603,7 @@
                   <a:srgbClr val="000000"/>
                 </a:solidFill>
               </a:rPr>
-              <a:t>Drive Controller</a:t>
+              <a:t>Locomotion</a:t>
             </a:r>
             <a:endParaRPr lang="en-US" sz="1200" dirty="0">
               <a:solidFill>
@@ -3672,105 +3672,13 @@
       </p:sp>
       <p:sp>
         <p:nvSpPr>
-          <p:cNvPr id="25" name="Rectangle 24"/>
-          <p:cNvSpPr/>
-          <p:nvPr/>
-        </p:nvSpPr>
-        <p:spPr>
-          <a:xfrm>
-            <a:off x="6842287" y="4575674"/>
-            <a:ext cx="1333500" cy="665480"/>
-          </a:xfrm>
-          <a:prstGeom prst="rect">
-            <a:avLst/>
-          </a:prstGeom>
-          <a:noFill/>
-          <a:ln>
-            <a:solidFill>
-              <a:schemeClr val="tx1"/>
-            </a:solidFill>
-          </a:ln>
-          <a:effectLst/>
-        </p:spPr>
-        <p:style>
-          <a:lnRef idx="1">
-            <a:schemeClr val="accent1"/>
-          </a:lnRef>
-          <a:fillRef idx="3">
-            <a:schemeClr val="accent1"/>
-          </a:fillRef>
-          <a:effectRef idx="2">
-            <a:schemeClr val="accent1"/>
-          </a:effectRef>
-          <a:fontRef idx="minor">
-            <a:schemeClr val="lt1"/>
-          </a:fontRef>
-        </p:style>
-        <p:txBody>
-          <a:bodyPr anchor="ctr" anchorCtr="0"/>
-          <a:lstStyle/>
-          <a:p>
-            <a:pPr algn="ctr"/>
-            <a:r>
-              <a:rPr lang="en-US" sz="1200" dirty="0" smtClean="0">
-                <a:solidFill>
-                  <a:srgbClr val="000000"/>
-                </a:solidFill>
-              </a:rPr>
-              <a:t>Writing Tool Mechanism</a:t>
-            </a:r>
-          </a:p>
-        </p:txBody>
-      </p:sp>
-      <p:cxnSp>
-        <p:nvCxnSpPr>
-          <p:cNvPr id="26" name="Straight Arrow Connector 25"/>
-          <p:cNvCxnSpPr>
-            <a:stCxn id="18" idx="2"/>
-            <a:endCxn id="25" idx="0"/>
-          </p:cNvCxnSpPr>
-          <p:nvPr/>
-        </p:nvCxnSpPr>
-        <p:spPr>
-          <a:xfrm flipH="1">
-            <a:off x="7509037" y="4069952"/>
-            <a:ext cx="2" cy="505722"/>
-          </a:xfrm>
-          <a:prstGeom prst="straightConnector1">
-            <a:avLst/>
-          </a:prstGeom>
-          <a:ln>
-            <a:solidFill>
-              <a:schemeClr val="tx1"/>
-            </a:solidFill>
-            <a:tailEnd type="arrow"/>
-          </a:ln>
-          <a:effectLst/>
-        </p:spPr>
-        <p:style>
-          <a:lnRef idx="2">
-            <a:schemeClr val="accent1"/>
-          </a:lnRef>
-          <a:fillRef idx="0">
-            <a:schemeClr val="accent1"/>
-          </a:fillRef>
-          <a:effectRef idx="1">
-            <a:schemeClr val="accent1"/>
-          </a:effectRef>
-          <a:fontRef idx="minor">
-            <a:schemeClr val="tx1"/>
-          </a:fontRef>
-        </p:style>
-      </p:cxnSp>
-      <p:sp>
-        <p:nvSpPr>
           <p:cNvPr id="36" name="Rectangle 35"/>
           <p:cNvSpPr/>
           <p:nvPr/>
         </p:nvSpPr>
         <p:spPr>
           <a:xfrm>
-            <a:off x="4715100" y="5463642"/>
+            <a:off x="4715102" y="4575675"/>
             <a:ext cx="1333500" cy="665480"/>
           </a:xfrm>
           <a:prstGeom prst="rect">
@@ -3862,14 +3770,14 @@
       </p:cxnSp>
       <p:sp>
         <p:nvSpPr>
-          <p:cNvPr id="61" name="Rectangle 60"/>
+          <p:cNvPr id="103" name="Rectangle 102"/>
           <p:cNvSpPr/>
           <p:nvPr/>
         </p:nvSpPr>
         <p:spPr>
           <a:xfrm>
-            <a:off x="4715101" y="4533514"/>
-            <a:ext cx="1333500" cy="665480"/>
+            <a:off x="2609494" y="4645743"/>
+            <a:ext cx="1094508" cy="525341"/>
           </a:xfrm>
           <a:prstGeom prst="rect">
             <a:avLst/>
@@ -3907,98 +3815,6 @@
                   <a:srgbClr val="000000"/>
                 </a:solidFill>
               </a:rPr>
-              <a:t>Drive Safety</a:t>
-            </a:r>
-          </a:p>
-        </p:txBody>
-      </p:sp>
-      <p:cxnSp>
-        <p:nvCxnSpPr>
-          <p:cNvPr id="62" name="Straight Arrow Connector 61"/>
-          <p:cNvCxnSpPr>
-            <a:stCxn id="61" idx="0"/>
-            <a:endCxn id="17" idx="2"/>
-          </p:cNvCxnSpPr>
-          <p:nvPr/>
-        </p:nvCxnSpPr>
-        <p:spPr>
-          <a:xfrm flipV="1">
-            <a:off x="5381851" y="4044175"/>
-            <a:ext cx="0" cy="489339"/>
-          </a:xfrm>
-          <a:prstGeom prst="straightConnector1">
-            <a:avLst/>
-          </a:prstGeom>
-          <a:ln>
-            <a:solidFill>
-              <a:schemeClr val="tx1"/>
-            </a:solidFill>
-            <a:tailEnd type="arrow"/>
-          </a:ln>
-          <a:effectLst/>
-        </p:spPr>
-        <p:style>
-          <a:lnRef idx="2">
-            <a:schemeClr val="accent1"/>
-          </a:lnRef>
-          <a:fillRef idx="0">
-            <a:schemeClr val="accent1"/>
-          </a:fillRef>
-          <a:effectRef idx="1">
-            <a:schemeClr val="accent1"/>
-          </a:effectRef>
-          <a:fontRef idx="minor">
-            <a:schemeClr val="tx1"/>
-          </a:fontRef>
-        </p:style>
-      </p:cxnSp>
-      <p:sp>
-        <p:nvSpPr>
-          <p:cNvPr id="103" name="Rectangle 102"/>
-          <p:cNvSpPr/>
-          <p:nvPr/>
-        </p:nvSpPr>
-        <p:spPr>
-          <a:xfrm>
-            <a:off x="2609494" y="4645743"/>
-            <a:ext cx="1094508" cy="525341"/>
-          </a:xfrm>
-          <a:prstGeom prst="rect">
-            <a:avLst/>
-          </a:prstGeom>
-          <a:noFill/>
-          <a:ln>
-            <a:solidFill>
-              <a:schemeClr val="tx1"/>
-            </a:solidFill>
-          </a:ln>
-          <a:effectLst/>
-        </p:spPr>
-        <p:style>
-          <a:lnRef idx="1">
-            <a:schemeClr val="accent1"/>
-          </a:lnRef>
-          <a:fillRef idx="3">
-            <a:schemeClr val="accent1"/>
-          </a:fillRef>
-          <a:effectRef idx="2">
-            <a:schemeClr val="accent1"/>
-          </a:effectRef>
-          <a:fontRef idx="minor">
-            <a:schemeClr val="lt1"/>
-          </a:fontRef>
-        </p:style>
-        <p:txBody>
-          <a:bodyPr anchor="ctr" anchorCtr="0"/>
-          <a:lstStyle/>
-          <a:p>
-            <a:pPr algn="ctr"/>
-            <a:r>
-              <a:rPr lang="en-US" sz="1200" dirty="0" smtClean="0">
-                <a:solidFill>
-                  <a:srgbClr val="000000"/>
-                </a:solidFill>
-              </a:rPr>
               <a:t>Sensor Module</a:t>
             </a:r>
             <a:endParaRPr lang="en-US" sz="1200" dirty="0">
@@ -4009,47 +3825,6 @@
           </a:p>
         </p:txBody>
       </p:sp>
-      <p:cxnSp>
-        <p:nvCxnSpPr>
-          <p:cNvPr id="104" name="Elbow Connector 103"/>
-          <p:cNvCxnSpPr>
-            <a:stCxn id="36" idx="1"/>
-            <a:endCxn id="17" idx="1"/>
-          </p:cNvCxnSpPr>
-          <p:nvPr/>
-        </p:nvCxnSpPr>
-        <p:spPr>
-          <a:xfrm rot="10800000" flipH="1">
-            <a:off x="4715099" y="3711436"/>
-            <a:ext cx="1" cy="2084947"/>
-          </a:xfrm>
-          <a:prstGeom prst="bentConnector3">
-            <a:avLst>
-              <a:gd name="adj1" fmla="val -22860000000"/>
-            </a:avLst>
-          </a:prstGeom>
-          <a:ln w="25400">
-            <a:solidFill>
-              <a:schemeClr val="tx1"/>
-            </a:solidFill>
-            <a:tailEnd type="arrow"/>
-          </a:ln>
-        </p:spPr>
-        <p:style>
-          <a:lnRef idx="1">
-            <a:schemeClr val="accent1"/>
-          </a:lnRef>
-          <a:fillRef idx="0">
-            <a:schemeClr val="accent1"/>
-          </a:fillRef>
-          <a:effectRef idx="0">
-            <a:schemeClr val="accent1"/>
-          </a:effectRef>
-          <a:fontRef idx="minor">
-            <a:schemeClr val="tx1"/>
-          </a:fontRef>
-        </p:style>
-      </p:cxnSp>
       <p:cxnSp>
         <p:nvCxnSpPr>
           <p:cNvPr id="137" name="Straight Arrow Connector 136"/>
@@ -4063,103 +3838,6 @@
           <a:xfrm flipV="1">
             <a:off x="3156748" y="4004255"/>
             <a:ext cx="0" cy="641488"/>
-          </a:xfrm>
-          <a:prstGeom prst="straightConnector1">
-            <a:avLst/>
-          </a:prstGeom>
-          <a:ln>
-            <a:solidFill>
-              <a:schemeClr val="tx1"/>
-            </a:solidFill>
-            <a:tailEnd type="arrow"/>
-          </a:ln>
-          <a:effectLst/>
-        </p:spPr>
-        <p:style>
-          <a:lnRef idx="2">
-            <a:schemeClr val="accent1"/>
-          </a:lnRef>
-          <a:fillRef idx="0">
-            <a:schemeClr val="accent1"/>
-          </a:fillRef>
-          <a:effectRef idx="1">
-            <a:schemeClr val="accent1"/>
-          </a:effectRef>
-          <a:fontRef idx="minor">
-            <a:schemeClr val="tx1"/>
-          </a:fontRef>
-        </p:style>
-      </p:cxnSp>
-      <p:sp>
-        <p:nvSpPr>
-          <p:cNvPr id="140" name="Rectangle 139"/>
-          <p:cNvSpPr/>
-          <p:nvPr/>
-        </p:nvSpPr>
-        <p:spPr>
-          <a:xfrm>
-            <a:off x="2609494" y="2293323"/>
-            <a:ext cx="1094508" cy="525341"/>
-          </a:xfrm>
-          <a:prstGeom prst="rect">
-            <a:avLst/>
-          </a:prstGeom>
-          <a:noFill/>
-          <a:ln>
-            <a:solidFill>
-              <a:schemeClr val="tx1"/>
-            </a:solidFill>
-          </a:ln>
-          <a:effectLst/>
-        </p:spPr>
-        <p:style>
-          <a:lnRef idx="1">
-            <a:schemeClr val="accent1"/>
-          </a:lnRef>
-          <a:fillRef idx="3">
-            <a:schemeClr val="accent1"/>
-          </a:fillRef>
-          <a:effectRef idx="2">
-            <a:schemeClr val="accent1"/>
-          </a:effectRef>
-          <a:fontRef idx="minor">
-            <a:schemeClr val="lt1"/>
-          </a:fontRef>
-        </p:style>
-        <p:txBody>
-          <a:bodyPr anchor="ctr" anchorCtr="0"/>
-          <a:lstStyle/>
-          <a:p>
-            <a:pPr algn="ctr"/>
-            <a:r>
-              <a:rPr lang="en-US" sz="1200" dirty="0" smtClean="0">
-                <a:solidFill>
-                  <a:srgbClr val="000000"/>
-                </a:solidFill>
-              </a:rPr>
-              <a:t>Localization Safety</a:t>
-            </a:r>
-            <a:endParaRPr lang="en-US" sz="1200" dirty="0">
-              <a:solidFill>
-                <a:srgbClr val="000000"/>
-              </a:solidFill>
-            </a:endParaRPr>
-          </a:p>
-        </p:txBody>
-      </p:sp>
-      <p:cxnSp>
-        <p:nvCxnSpPr>
-          <p:cNvPr id="141" name="Straight Arrow Connector 140"/>
-          <p:cNvCxnSpPr>
-            <a:stCxn id="140" idx="2"/>
-            <a:endCxn id="15" idx="0"/>
-          </p:cNvCxnSpPr>
-          <p:nvPr/>
-        </p:nvCxnSpPr>
-        <p:spPr>
-          <a:xfrm>
-            <a:off x="3156748" y="2818664"/>
-            <a:ext cx="0" cy="588529"/>
           </a:xfrm>
           <a:prstGeom prst="straightConnector1">
             <a:avLst/>
@@ -4292,7 +3970,7 @@
         <p:spPr>
           <a:xfrm>
             <a:off x="2157578" y="2074198"/>
-            <a:ext cx="0" cy="4542359"/>
+            <a:ext cx="0" cy="4288502"/>
           </a:xfrm>
           <a:prstGeom prst="line">
             <a:avLst/>
@@ -4418,19 +4096,17 @@
           <p:cNvPr id="192" name="Elbow Connector 191"/>
           <p:cNvCxnSpPr>
             <a:stCxn id="36" idx="3"/>
-            <a:endCxn id="18" idx="1"/>
+            <a:endCxn id="18" idx="2"/>
           </p:cNvCxnSpPr>
           <p:nvPr/>
         </p:nvCxnSpPr>
         <p:spPr>
           <a:xfrm flipV="1">
-            <a:off x="6048600" y="3737212"/>
-            <a:ext cx="793689" cy="2059170"/>
-          </a:xfrm>
-          <a:prstGeom prst="bentConnector3">
-            <a:avLst>
-              <a:gd name="adj1" fmla="val 50000"/>
-            </a:avLst>
+            <a:off x="6048602" y="4069952"/>
+            <a:ext cx="1460437" cy="838463"/>
+          </a:xfrm>
+          <a:prstGeom prst="bentConnector2">
+            <a:avLst/>
           </a:prstGeom>
           <a:ln w="25400">
             <a:solidFill>
@@ -4466,12 +4142,12 @@
         </p:nvCxnSpPr>
         <p:spPr>
           <a:xfrm rot="10800000">
-            <a:off x="3704002" y="4908414"/>
-            <a:ext cx="1011098" cy="887968"/>
+            <a:off x="3704002" y="4908415"/>
+            <a:ext cx="1011100" cy="1"/>
           </a:xfrm>
           <a:prstGeom prst="bentConnector3">
             <a:avLst>
-              <a:gd name="adj1" fmla="val 22286"/>
+              <a:gd name="adj1" fmla="val 50000"/>
             </a:avLst>
           </a:prstGeom>
           <a:ln w="25400">
@@ -4499,39 +4175,37 @@
       </p:cxnSp>
       <p:cxnSp>
         <p:nvCxnSpPr>
-          <p:cNvPr id="234" name="Elbow Connector 233"/>
+          <p:cNvPr id="43" name="Straight Arrow Connector 42"/>
           <p:cNvCxnSpPr>
-            <a:stCxn id="4" idx="2"/>
-            <a:endCxn id="15" idx="0"/>
+            <a:stCxn id="36" idx="0"/>
+            <a:endCxn id="17" idx="2"/>
           </p:cNvCxnSpPr>
           <p:nvPr/>
         </p:nvCxnSpPr>
         <p:spPr>
-          <a:xfrm rot="5400000">
-            <a:off x="3728860" y="1754202"/>
-            <a:ext cx="1080880" cy="2225103"/>
-          </a:xfrm>
-          <a:prstGeom prst="bentConnector3">
-            <a:avLst>
-              <a:gd name="adj1" fmla="val 60916"/>
-            </a:avLst>
+          <a:xfrm flipH="1" flipV="1">
+            <a:off x="5381851" y="4044175"/>
+            <a:ext cx="1" cy="531500"/>
+          </a:xfrm>
+          <a:prstGeom prst="straightConnector1">
+            <a:avLst/>
           </a:prstGeom>
-          <a:ln w="25400">
+          <a:ln>
             <a:solidFill>
               <a:schemeClr val="tx1"/>
             </a:solidFill>
-            <a:headEnd type="arrow"/>
             <a:tailEnd type="arrow"/>
           </a:ln>
+          <a:effectLst/>
         </p:spPr>
         <p:style>
-          <a:lnRef idx="1">
+          <a:lnRef idx="2">
             <a:schemeClr val="accent1"/>
           </a:lnRef>
           <a:fillRef idx="0">
             <a:schemeClr val="accent1"/>
           </a:fillRef>
-          <a:effectRef idx="0">
+          <a:effectRef idx="1">
             <a:schemeClr val="accent1"/>
           </a:effectRef>
           <a:fontRef idx="minor">
@@ -4541,39 +4215,221 @@
       </p:cxnSp>
       <p:cxnSp>
         <p:nvCxnSpPr>
-          <p:cNvPr id="236" name="Elbow Connector 235"/>
-          <p:cNvCxnSpPr>
-            <a:stCxn id="4" idx="2"/>
-            <a:endCxn id="18" idx="0"/>
-          </p:cNvCxnSpPr>
+          <p:cNvPr id="56" name="Straight Connector 55"/>
+          <p:cNvCxnSpPr/>
           <p:nvPr/>
         </p:nvCxnSpPr>
         <p:spPr>
-          <a:xfrm rot="16200000" flipH="1">
-            <a:off x="5906366" y="1801798"/>
-            <a:ext cx="1078159" cy="2127188"/>
-          </a:xfrm>
-          <a:prstGeom prst="bentConnector3">
-            <a:avLst>
-              <a:gd name="adj1" fmla="val 60943"/>
-            </a:avLst>
+          <a:xfrm>
+            <a:off x="3156748" y="2788920"/>
+            <a:ext cx="1770852" cy="0"/>
+          </a:xfrm>
+          <a:prstGeom prst="line">
+            <a:avLst/>
           </a:prstGeom>
           <a:ln w="25400">
             <a:solidFill>
               <a:schemeClr val="tx1"/>
             </a:solidFill>
-            <a:headEnd type="arrow"/>
+          </a:ln>
+          <a:effectLst/>
+        </p:spPr>
+        <p:style>
+          <a:lnRef idx="1">
+            <a:schemeClr val="accent1"/>
+          </a:lnRef>
+          <a:fillRef idx="0">
+            <a:schemeClr val="accent1"/>
+          </a:fillRef>
+          <a:effectRef idx="0">
+            <a:schemeClr val="accent1"/>
+          </a:effectRef>
+          <a:fontRef idx="minor">
+            <a:schemeClr val="tx1"/>
+          </a:fontRef>
+        </p:style>
+      </p:cxnSp>
+      <p:cxnSp>
+        <p:nvCxnSpPr>
+          <p:cNvPr id="57" name="Straight Connector 56"/>
+          <p:cNvCxnSpPr/>
+          <p:nvPr/>
+        </p:nvCxnSpPr>
+        <p:spPr>
+          <a:xfrm>
+            <a:off x="5829300" y="2797810"/>
+            <a:ext cx="1679739" cy="0"/>
+          </a:xfrm>
+          <a:prstGeom prst="line">
+            <a:avLst/>
+          </a:prstGeom>
+          <a:ln w="25400">
+            <a:solidFill>
+              <a:schemeClr val="tx1"/>
+            </a:solidFill>
+          </a:ln>
+          <a:effectLst/>
+        </p:spPr>
+        <p:style>
+          <a:lnRef idx="1">
+            <a:schemeClr val="accent1"/>
+          </a:lnRef>
+          <a:fillRef idx="0">
+            <a:schemeClr val="accent1"/>
+          </a:fillRef>
+          <a:effectRef idx="0">
+            <a:schemeClr val="accent1"/>
+          </a:effectRef>
+          <a:fontRef idx="minor">
+            <a:schemeClr val="tx1"/>
+          </a:fontRef>
+        </p:style>
+      </p:cxnSp>
+      <p:cxnSp>
+        <p:nvCxnSpPr>
+          <p:cNvPr id="60" name="Straight Arrow Connector 59"/>
+          <p:cNvCxnSpPr>
+            <a:endCxn id="15" idx="0"/>
+          </p:cNvCxnSpPr>
+          <p:nvPr/>
+        </p:nvCxnSpPr>
+        <p:spPr>
+          <a:xfrm>
+            <a:off x="3156748" y="2788920"/>
+            <a:ext cx="0" cy="618273"/>
+          </a:xfrm>
+          <a:prstGeom prst="straightConnector1">
+            <a:avLst/>
+          </a:prstGeom>
+          <a:ln>
+            <a:solidFill>
+              <a:schemeClr val="tx1"/>
+            </a:solidFill>
             <a:tailEnd type="arrow"/>
           </a:ln>
+          <a:effectLst/>
         </p:spPr>
         <p:style>
-          <a:lnRef idx="1">
+          <a:lnRef idx="2">
             <a:schemeClr val="accent1"/>
           </a:lnRef>
           <a:fillRef idx="0">
             <a:schemeClr val="accent1"/>
           </a:fillRef>
-          <a:effectRef idx="0">
+          <a:effectRef idx="1">
+            <a:schemeClr val="accent1"/>
+          </a:effectRef>
+          <a:fontRef idx="minor">
+            <a:schemeClr val="tx1"/>
+          </a:fontRef>
+        </p:style>
+      </p:cxnSp>
+      <p:cxnSp>
+        <p:nvCxnSpPr>
+          <p:cNvPr id="63" name="Straight Arrow Connector 62"/>
+          <p:cNvCxnSpPr>
+            <a:endCxn id="18" idx="0"/>
+          </p:cNvCxnSpPr>
+          <p:nvPr/>
+        </p:nvCxnSpPr>
+        <p:spPr>
+          <a:xfrm flipH="1">
+            <a:off x="7509039" y="2797810"/>
+            <a:ext cx="1" cy="606662"/>
+          </a:xfrm>
+          <a:prstGeom prst="straightConnector1">
+            <a:avLst/>
+          </a:prstGeom>
+          <a:ln>
+            <a:solidFill>
+              <a:schemeClr val="tx1"/>
+            </a:solidFill>
+            <a:tailEnd type="arrow"/>
+          </a:ln>
+          <a:effectLst/>
+        </p:spPr>
+        <p:style>
+          <a:lnRef idx="2">
+            <a:schemeClr val="accent1"/>
+          </a:lnRef>
+          <a:fillRef idx="0">
+            <a:schemeClr val="accent1"/>
+          </a:fillRef>
+          <a:effectRef idx="1">
+            <a:schemeClr val="accent1"/>
+          </a:effectRef>
+          <a:fontRef idx="minor">
+            <a:schemeClr val="tx1"/>
+          </a:fontRef>
+        </p:style>
+      </p:cxnSp>
+      <p:cxnSp>
+        <p:nvCxnSpPr>
+          <p:cNvPr id="66" name="Straight Arrow Connector 65"/>
+          <p:cNvCxnSpPr/>
+          <p:nvPr/>
+        </p:nvCxnSpPr>
+        <p:spPr>
+          <a:xfrm flipV="1">
+            <a:off x="5829300" y="2326313"/>
+            <a:ext cx="0" cy="462607"/>
+          </a:xfrm>
+          <a:prstGeom prst="straightConnector1">
+            <a:avLst/>
+          </a:prstGeom>
+          <a:ln>
+            <a:solidFill>
+              <a:schemeClr val="tx1"/>
+            </a:solidFill>
+            <a:tailEnd type="arrow"/>
+          </a:ln>
+          <a:effectLst/>
+        </p:spPr>
+        <p:style>
+          <a:lnRef idx="2">
+            <a:schemeClr val="accent1"/>
+          </a:lnRef>
+          <a:fillRef idx="0">
+            <a:schemeClr val="accent1"/>
+          </a:fillRef>
+          <a:effectRef idx="1">
+            <a:schemeClr val="accent1"/>
+          </a:effectRef>
+          <a:fontRef idx="minor">
+            <a:schemeClr val="tx1"/>
+          </a:fontRef>
+        </p:style>
+      </p:cxnSp>
+      <p:cxnSp>
+        <p:nvCxnSpPr>
+          <p:cNvPr id="69" name="Straight Arrow Connector 68"/>
+          <p:cNvCxnSpPr/>
+          <p:nvPr/>
+        </p:nvCxnSpPr>
+        <p:spPr>
+          <a:xfrm flipV="1">
+            <a:off x="4940300" y="2335203"/>
+            <a:ext cx="0" cy="462607"/>
+          </a:xfrm>
+          <a:prstGeom prst="straightConnector1">
+            <a:avLst/>
+          </a:prstGeom>
+          <a:ln>
+            <a:solidFill>
+              <a:schemeClr val="tx1"/>
+            </a:solidFill>
+            <a:tailEnd type="arrow"/>
+          </a:ln>
+          <a:effectLst/>
+        </p:spPr>
+        <p:style>
+          <a:lnRef idx="2">
+            <a:schemeClr val="accent1"/>
+          </a:lnRef>
+          <a:fillRef idx="0">
+            <a:schemeClr val="accent1"/>
+          </a:fillRef>
+          <a:effectRef idx="1">
             <a:schemeClr val="accent1"/>
           </a:effectRef>
           <a:fontRef idx="minor">
@@ -4594,7 +4450,7 @@
   <p:timing>
     <p:tnLst>
       <p:par>
-        <p:cTn id="1" dur="indefinite" restart="never" nodeType="tmRoot"/>
+        <p:cTn xmlns:p14="http://schemas.microsoft.com/office/powerpoint/2010/main" id="1" dur="indefinite" restart="never" nodeType="tmRoot"/>
       </p:par>
     </p:tnLst>
   </p:timing>

--- a/concept_eval/diagrams/systems_diagram.pptx
+++ b/concept_eval/diagrams/systems_diagram.pptx
@@ -106,7 +106,7 @@
   </p:defaultTextStyle>
   <p:extLst>
     <p:ext uri="{EFAFB233-063F-42B5-8137-9DF3F51BA10A}">
-      <p15:sldGuideLst xmlns:p15="http://schemas.microsoft.com/office/powerpoint/2012/main" xmlns="">
+      <p15:sldGuideLst xmlns:p15="http://schemas.microsoft.com/office/powerpoint/2012/main">
         <p15:guide id="1" orient="horz" pos="2160">
           <p15:clr>
             <a:srgbClr val="A4A3A4"/>
@@ -304,7 +304,7 @@
           <a:p>
             <a:fld id="{E66B24CA-399B-4047-8224-01590B4E0706}" type="datetimeFigureOut">
               <a:rPr lang="en-US" smtClean="0"/>
-              <a:t>10/25/16</a:t>
+              <a:t>10/25/2016</a:t>
             </a:fld>
             <a:endParaRPr lang="en-US"/>
           </a:p>
@@ -474,7 +474,7 @@
           <a:p>
             <a:fld id="{E66B24CA-399B-4047-8224-01590B4E0706}" type="datetimeFigureOut">
               <a:rPr lang="en-US" smtClean="0"/>
-              <a:t>10/25/16</a:t>
+              <a:t>10/25/2016</a:t>
             </a:fld>
             <a:endParaRPr lang="en-US"/>
           </a:p>
@@ -654,7 +654,7 @@
           <a:p>
             <a:fld id="{E66B24CA-399B-4047-8224-01590B4E0706}" type="datetimeFigureOut">
               <a:rPr lang="en-US" smtClean="0"/>
-              <a:t>10/25/16</a:t>
+              <a:t>10/25/2016</a:t>
             </a:fld>
             <a:endParaRPr lang="en-US"/>
           </a:p>
@@ -824,7 +824,7 @@
           <a:p>
             <a:fld id="{E66B24CA-399B-4047-8224-01590B4E0706}" type="datetimeFigureOut">
               <a:rPr lang="en-US" smtClean="0"/>
-              <a:t>10/25/16</a:t>
+              <a:t>10/25/2016</a:t>
             </a:fld>
             <a:endParaRPr lang="en-US"/>
           </a:p>
@@ -1070,7 +1070,7 @@
           <a:p>
             <a:fld id="{E66B24CA-399B-4047-8224-01590B4E0706}" type="datetimeFigureOut">
               <a:rPr lang="en-US" smtClean="0"/>
-              <a:t>10/25/16</a:t>
+              <a:t>10/25/2016</a:t>
             </a:fld>
             <a:endParaRPr lang="en-US"/>
           </a:p>
@@ -1358,7 +1358,7 @@
           <a:p>
             <a:fld id="{E66B24CA-399B-4047-8224-01590B4E0706}" type="datetimeFigureOut">
               <a:rPr lang="en-US" smtClean="0"/>
-              <a:t>10/25/16</a:t>
+              <a:t>10/25/2016</a:t>
             </a:fld>
             <a:endParaRPr lang="en-US"/>
           </a:p>
@@ -1780,7 +1780,7 @@
           <a:p>
             <a:fld id="{E66B24CA-399B-4047-8224-01590B4E0706}" type="datetimeFigureOut">
               <a:rPr lang="en-US" smtClean="0"/>
-              <a:t>10/25/16</a:t>
+              <a:t>10/25/2016</a:t>
             </a:fld>
             <a:endParaRPr lang="en-US"/>
           </a:p>
@@ -1898,7 +1898,7 @@
           <a:p>
             <a:fld id="{E66B24CA-399B-4047-8224-01590B4E0706}" type="datetimeFigureOut">
               <a:rPr lang="en-US" smtClean="0"/>
-              <a:t>10/25/16</a:t>
+              <a:t>10/25/2016</a:t>
             </a:fld>
             <a:endParaRPr lang="en-US"/>
           </a:p>
@@ -1993,7 +1993,7 @@
           <a:p>
             <a:fld id="{E66B24CA-399B-4047-8224-01590B4E0706}" type="datetimeFigureOut">
               <a:rPr lang="en-US" smtClean="0"/>
-              <a:t>10/25/16</a:t>
+              <a:t>10/25/2016</a:t>
             </a:fld>
             <a:endParaRPr lang="en-US"/>
           </a:p>
@@ -2270,7 +2270,7 @@
           <a:p>
             <a:fld id="{E66B24CA-399B-4047-8224-01590B4E0706}" type="datetimeFigureOut">
               <a:rPr lang="en-US" smtClean="0"/>
-              <a:t>10/25/16</a:t>
+              <a:t>10/25/2016</a:t>
             </a:fld>
             <a:endParaRPr lang="en-US"/>
           </a:p>
@@ -2523,7 +2523,7 @@
           <a:p>
             <a:fld id="{E66B24CA-399B-4047-8224-01590B4E0706}" type="datetimeFigureOut">
               <a:rPr lang="en-US" smtClean="0"/>
-              <a:t>10/25/16</a:t>
+              <a:t>10/25/2016</a:t>
             </a:fld>
             <a:endParaRPr lang="en-US"/>
           </a:p>
@@ -2736,7 +2736,7 @@
           <a:p>
             <a:fld id="{E66B24CA-399B-4047-8224-01590B4E0706}" type="datetimeFigureOut">
               <a:rPr lang="en-US" smtClean="0"/>
-              <a:t>10/25/16</a:t>
+              <a:t>10/25/2016</a:t>
             </a:fld>
             <a:endParaRPr lang="en-US"/>
           </a:p>
@@ -3120,7 +3120,7 @@
         <p:spPr>
           <a:xfrm>
             <a:off x="184355" y="2074198"/>
-            <a:ext cx="8517856" cy="0"/>
+            <a:ext cx="7991434" cy="0"/>
           </a:xfrm>
           <a:prstGeom prst="line">
             <a:avLst/>
@@ -3970,7 +3970,7 @@
         <p:spPr>
           <a:xfrm>
             <a:off x="2157578" y="2074198"/>
-            <a:ext cx="0" cy="4288502"/>
+            <a:ext cx="0" cy="3325938"/>
           </a:xfrm>
           <a:prstGeom prst="line">
             <a:avLst/>
@@ -4450,7 +4450,7 @@
   <p:timing>
     <p:tnLst>
       <p:par>
-        <p:cTn xmlns:p14="http://schemas.microsoft.com/office/powerpoint/2010/main" id="1" dur="indefinite" restart="never" nodeType="tmRoot"/>
+        <p:cTn id="1" dur="indefinite" restart="never" nodeType="tmRoot"/>
       </p:par>
     </p:tnLst>
   </p:timing>
